--- a/OhMyFood!.pptx
+++ b/OhMyFood!.pptx
@@ -9,6 +9,7 @@
     <p:sldId id="257" r:id="rId3"/>
     <p:sldId id="258" r:id="rId4"/>
     <p:sldId id="259" r:id="rId5"/>
+    <p:sldId id="260" r:id="rId6"/>
   </p:sldIdLst>
   <p:sldSz cx="12192000" cy="6858000"/>
   <p:notesSz cx="6858000" cy="9144000"/>
@@ -107,6 +108,11 @@
       </a:defRPr>
     </a:lvl9pPr>
   </p:defaultTextStyle>
+  <p:extLst>
+    <p:ext uri="{EFAFB233-063F-42B5-8137-9DF3F51BA10A}">
+      <p15:sldGuideLst xmlns:p15="http://schemas.microsoft.com/office/powerpoint/2012/main"/>
+    </p:ext>
+  </p:extLst>
 </p:presentation>
 </file>
 
@@ -833,7 +839,7 @@
             <a:fld id="{B61BEF0D-F0BB-DE4B-95CE-6DB70DBA9567}" type="datetimeFigureOut">
               <a:rPr lang="en-US" dirty="0"/>
               <a:pPr/>
-              <a:t>6/17/2020</a:t>
+              <a:t>6/18/2020</a:t>
             </a:fld>
             <a:endParaRPr lang="en-US" dirty="0"/>
           </a:p>
@@ -1081,7 +1087,7 @@
             <a:fld id="{B61BEF0D-F0BB-DE4B-95CE-6DB70DBA9567}" type="datetimeFigureOut">
               <a:rPr lang="en-US" dirty="0"/>
               <a:pPr/>
-              <a:t>6/17/2020</a:t>
+              <a:t>6/18/2020</a:t>
             </a:fld>
             <a:endParaRPr lang="en-US" dirty="0"/>
           </a:p>
@@ -1392,7 +1398,7 @@
             <a:fld id="{B61BEF0D-F0BB-DE4B-95CE-6DB70DBA9567}" type="datetimeFigureOut">
               <a:rPr lang="en-US" dirty="0"/>
               <a:pPr/>
-              <a:t>6/17/2020</a:t>
+              <a:t>6/18/2020</a:t>
             </a:fld>
             <a:endParaRPr lang="en-US" dirty="0"/>
           </a:p>
@@ -1730,7 +1736,7 @@
             <a:fld id="{B61BEF0D-F0BB-DE4B-95CE-6DB70DBA9567}" type="datetimeFigureOut">
               <a:rPr lang="en-US" dirty="0"/>
               <a:pPr/>
-              <a:t>6/17/2020</a:t>
+              <a:t>6/18/2020</a:t>
             </a:fld>
             <a:endParaRPr lang="en-US" dirty="0"/>
           </a:p>
@@ -2041,7 +2047,7 @@
             <a:fld id="{B61BEF0D-F0BB-DE4B-95CE-6DB70DBA9567}" type="datetimeFigureOut">
               <a:rPr lang="en-US" dirty="0"/>
               <a:pPr/>
-              <a:t>6/17/2020</a:t>
+              <a:t>6/18/2020</a:t>
             </a:fld>
             <a:endParaRPr lang="en-US" dirty="0"/>
           </a:p>
@@ -2431,7 +2437,7 @@
             <a:fld id="{B61BEF0D-F0BB-DE4B-95CE-6DB70DBA9567}" type="datetimeFigureOut">
               <a:rPr lang="en-US" dirty="0"/>
               <a:pPr/>
-              <a:t>6/17/2020</a:t>
+              <a:t>6/18/2020</a:t>
             </a:fld>
             <a:endParaRPr lang="en-US" dirty="0"/>
           </a:p>
@@ -2597,7 +2603,7 @@
           <a:p>
             <a:fld id="{55C6B4A9-1611-4792-9094-5F34BCA07E0B}" type="datetimeFigureOut">
               <a:rPr lang="en-US" dirty="0"/>
-              <a:t>6/17/2020</a:t>
+              <a:t>6/18/2020</a:t>
             </a:fld>
             <a:endParaRPr lang="en-US" dirty="0"/>
           </a:p>
@@ -2773,7 +2779,7 @@
             <a:fld id="{B61BEF0D-F0BB-DE4B-95CE-6DB70DBA9567}" type="datetimeFigureOut">
               <a:rPr lang="en-US" dirty="0"/>
               <a:pPr/>
-              <a:t>6/17/2020</a:t>
+              <a:t>6/18/2020</a:t>
             </a:fld>
             <a:endParaRPr lang="en-US" dirty="0"/>
           </a:p>
@@ -2946,7 +2952,7 @@
             <a:fld id="{B61BEF0D-F0BB-DE4B-95CE-6DB70DBA9567}" type="datetimeFigureOut">
               <a:rPr lang="en-US" dirty="0"/>
               <a:pPr/>
-              <a:t>6/17/2020</a:t>
+              <a:t>6/18/2020</a:t>
             </a:fld>
             <a:endParaRPr lang="en-US" dirty="0"/>
           </a:p>
@@ -3190,7 +3196,7 @@
             <a:fld id="{B61BEF0D-F0BB-DE4B-95CE-6DB70DBA9567}" type="datetimeFigureOut">
               <a:rPr lang="en-US" dirty="0"/>
               <a:pPr/>
-              <a:t>6/17/2020</a:t>
+              <a:t>6/18/2020</a:t>
             </a:fld>
             <a:endParaRPr lang="en-US" dirty="0"/>
           </a:p>
@@ -3418,7 +3424,7 @@
           <a:p>
             <a:fld id="{EB712588-04B1-427B-82EE-E8DB90309F08}" type="datetimeFigureOut">
               <a:rPr lang="en-US" dirty="0"/>
-              <a:t>6/17/2020</a:t>
+              <a:t>6/18/2020</a:t>
             </a:fld>
             <a:endParaRPr lang="en-US" dirty="0"/>
           </a:p>
@@ -3788,7 +3794,7 @@
             <a:fld id="{B61BEF0D-F0BB-DE4B-95CE-6DB70DBA9567}" type="datetimeFigureOut">
               <a:rPr lang="en-US" dirty="0"/>
               <a:pPr/>
-              <a:t>6/17/2020</a:t>
+              <a:t>6/18/2020</a:t>
             </a:fld>
             <a:endParaRPr lang="en-US" dirty="0"/>
           </a:p>
@@ -3908,7 +3914,7 @@
             <a:fld id="{B61BEF0D-F0BB-DE4B-95CE-6DB70DBA9567}" type="datetimeFigureOut">
               <a:rPr lang="en-US" dirty="0"/>
               <a:pPr/>
-              <a:t>6/17/2020</a:t>
+              <a:t>6/18/2020</a:t>
             </a:fld>
             <a:endParaRPr lang="en-US" dirty="0"/>
           </a:p>
@@ -4000,7 +4006,7 @@
             <a:fld id="{B61BEF0D-F0BB-DE4B-95CE-6DB70DBA9567}" type="datetimeFigureOut">
               <a:rPr lang="en-US" dirty="0"/>
               <a:pPr/>
-              <a:t>6/17/2020</a:t>
+              <a:t>6/18/2020</a:t>
             </a:fld>
             <a:endParaRPr lang="en-US" dirty="0"/>
           </a:p>
@@ -4251,7 +4257,7 @@
           <a:p>
             <a:fld id="{42A54C80-263E-416B-A8E0-580EDEADCBDC}" type="datetimeFigureOut">
               <a:rPr lang="en-US" dirty="0"/>
-              <a:t>6/17/2020</a:t>
+              <a:t>6/18/2020</a:t>
             </a:fld>
             <a:endParaRPr lang="en-US" dirty="0"/>
           </a:p>
@@ -4510,7 +4516,7 @@
             <a:fld id="{B61BEF0D-F0BB-DE4B-95CE-6DB70DBA9567}" type="datetimeFigureOut">
               <a:rPr lang="en-US" dirty="0"/>
               <a:pPr/>
-              <a:t>6/17/2020</a:t>
+              <a:t>6/18/2020</a:t>
             </a:fld>
             <a:endParaRPr lang="en-US" dirty="0"/>
           </a:p>
@@ -5250,7 +5256,7 @@
             <a:fld id="{B61BEF0D-F0BB-DE4B-95CE-6DB70DBA9567}" type="datetimeFigureOut">
               <a:rPr lang="en-US" dirty="0"/>
               <a:pPr/>
-              <a:t>6/17/2020</a:t>
+              <a:t>6/18/2020</a:t>
             </a:fld>
             <a:endParaRPr lang="en-US" dirty="0"/>
           </a:p>
@@ -6574,21 +6580,8 @@
                   <a:srgbClr val="569C87"/>
                 </a:solidFill>
               </a:rPr>
-              <a:t> Tout le développement a </a:t>
-            </a:r>
-            <a:r>
-              <a:rPr lang="fr-FR" sz="2800">
-                <a:solidFill>
-                  <a:srgbClr val="569C87"/>
-                </a:solidFill>
-              </a:rPr>
-              <a:t>été fait en CSS3</a:t>
-            </a:r>
-            <a:endParaRPr lang="fr-FR" sz="2800" dirty="0">
-              <a:solidFill>
-                <a:srgbClr val="569C87"/>
-              </a:solidFill>
-            </a:endParaRPr>
+              <a:t> Tout le développement a été fait en CSS3</a:t>
+            </a:r>
           </a:p>
           <a:p>
             <a:pPr lvl="1"/>
@@ -6604,6 +6597,248 @@
     <p:extLst>
       <p:ext uri="{BB962C8B-B14F-4D97-AF65-F5344CB8AC3E}">
         <p14:creationId xmlns:p14="http://schemas.microsoft.com/office/powerpoint/2010/main" val="2192244494"/>
+      </p:ext>
+    </p:extLst>
+  </p:cSld>
+  <p:clrMapOvr>
+    <a:masterClrMapping/>
+  </p:clrMapOvr>
+</p:sld>
+</file>
+
+<file path=ppt/slides/slide5.xml><?xml version="1.0" encoding="utf-8"?>
+<p:sld xmlns:a="http://schemas.openxmlformats.org/drawingml/2006/main" xmlns:r="http://schemas.openxmlformats.org/officeDocument/2006/relationships" xmlns:p="http://schemas.openxmlformats.org/presentationml/2006/main">
+  <p:cSld>
+    <p:spTree>
+      <p:nvGrpSpPr>
+        <p:cNvPr id="1" name=""/>
+        <p:cNvGrpSpPr/>
+        <p:nvPr/>
+      </p:nvGrpSpPr>
+      <p:grpSpPr>
+        <a:xfrm>
+          <a:off x="0" y="0"/>
+          <a:ext cx="0" cy="0"/>
+          <a:chOff x="0" y="0"/>
+          <a:chExt cx="0" cy="0"/>
+        </a:xfrm>
+      </p:grpSpPr>
+      <p:sp>
+        <p:nvSpPr>
+          <p:cNvPr id="2" name="Titre 1">
+            <a:extLst>
+              <a:ext uri="{FF2B5EF4-FFF2-40B4-BE49-F238E27FC236}">
+                <a16:creationId xmlns:a16="http://schemas.microsoft.com/office/drawing/2014/main" id="{1BFBBD04-D7A6-4E78-A4DA-41A4F66379D6}"/>
+              </a:ext>
+            </a:extLst>
+          </p:cNvPr>
+          <p:cNvSpPr>
+            <a:spLocks noGrp="1"/>
+          </p:cNvSpPr>
+          <p:nvPr>
+            <p:ph type="title"/>
+          </p:nvPr>
+        </p:nvSpPr>
+        <p:spPr>
+          <a:xfrm>
+            <a:off x="0" y="1"/>
+            <a:ext cx="12192000" cy="1930400"/>
+          </a:xfrm>
+          <a:solidFill>
+            <a:srgbClr val="569C87"/>
+          </a:solidFill>
+        </p:spPr>
+        <p:txBody>
+          <a:bodyPr/>
+          <a:lstStyle/>
+          <a:p>
+            <a:br>
+              <a:rPr lang="fr-FR" dirty="0"/>
+            </a:br>
+            <a:r>
+              <a:rPr lang="fr-FR" dirty="0">
+                <a:solidFill>
+                  <a:srgbClr val="FCCA46"/>
+                </a:solidFill>
+              </a:rPr>
+              <a:t>		Développement su site, ma méthode et mes choix</a:t>
+            </a:r>
+            <a:endParaRPr lang="fr-FR" dirty="0"/>
+          </a:p>
+        </p:txBody>
+      </p:sp>
+      <p:sp>
+        <p:nvSpPr>
+          <p:cNvPr id="3" name="Espace réservé du contenu 2">
+            <a:extLst>
+              <a:ext uri="{FF2B5EF4-FFF2-40B4-BE49-F238E27FC236}">
+                <a16:creationId xmlns:a16="http://schemas.microsoft.com/office/drawing/2014/main" id="{8BF82F1F-FE27-422E-A731-BCE11BE7D921}"/>
+              </a:ext>
+            </a:extLst>
+          </p:cNvPr>
+          <p:cNvSpPr>
+            <a:spLocks noGrp="1"/>
+          </p:cNvSpPr>
+          <p:nvPr>
+            <p:ph idx="1"/>
+          </p:nvPr>
+        </p:nvSpPr>
+        <p:spPr>
+          <a:xfrm>
+            <a:off x="0" y="1930401"/>
+            <a:ext cx="12192000" cy="4927600"/>
+          </a:xfrm>
+          <a:solidFill>
+            <a:srgbClr val="FCCA46"/>
+          </a:solidFill>
+        </p:spPr>
+        <p:txBody>
+          <a:bodyPr>
+            <a:normAutofit fontScale="92500" lnSpcReduction="20000"/>
+          </a:bodyPr>
+          <a:lstStyle/>
+          <a:p>
+            <a:endParaRPr lang="fr-FR" dirty="0">
+              <a:solidFill>
+                <a:srgbClr val="569C87"/>
+              </a:solidFill>
+            </a:endParaRPr>
+          </a:p>
+          <a:p>
+            <a:pPr lvl="1"/>
+            <a:r>
+              <a:rPr lang="fr-FR" sz="2800" dirty="0">
+                <a:solidFill>
+                  <a:srgbClr val="569C87"/>
+                </a:solidFill>
+              </a:rPr>
+              <a:t>Respect visuel de la maquette de Fanny (</a:t>
+            </a:r>
+            <a:r>
+              <a:rPr lang="fr-FR" sz="2800" dirty="0">
+                <a:solidFill>
+                  <a:srgbClr val="569C87"/>
+                </a:solidFill>
+                <a:hlinkClick r:id="rId2" action="ppaction://hlinkfile"/>
+              </a:rPr>
+              <a:t>Maquette 1</a:t>
+            </a:r>
+            <a:r>
+              <a:rPr lang="fr-FR" sz="2800" dirty="0">
+                <a:solidFill>
+                  <a:srgbClr val="569C87"/>
+                </a:solidFill>
+              </a:rPr>
+              <a:t> - </a:t>
+            </a:r>
+            <a:r>
+              <a:rPr lang="fr-FR" sz="2800" dirty="0">
+                <a:solidFill>
+                  <a:srgbClr val="569C87"/>
+                </a:solidFill>
+                <a:hlinkClick r:id="rId3" action="ppaction://hlinkfile"/>
+              </a:rPr>
+              <a:t>Maquette 2</a:t>
+            </a:r>
+            <a:r>
+              <a:rPr lang="fr-FR" sz="2800" dirty="0">
+                <a:solidFill>
+                  <a:srgbClr val="569C87"/>
+                </a:solidFill>
+              </a:rPr>
+              <a:t>)</a:t>
+            </a:r>
+          </a:p>
+          <a:p>
+            <a:pPr lvl="1"/>
+            <a:endParaRPr lang="fr-FR" sz="2800" dirty="0">
+              <a:solidFill>
+                <a:srgbClr val="569C87"/>
+              </a:solidFill>
+            </a:endParaRPr>
+          </a:p>
+          <a:p>
+            <a:pPr lvl="1"/>
+            <a:r>
+              <a:rPr lang="fr-FR" sz="2800" dirty="0">
+                <a:solidFill>
+                  <a:srgbClr val="569C87"/>
+                </a:solidFill>
+              </a:rPr>
+              <a:t> Site est en version responsive (Ecrans d’ordinateur, tablettes, smartphones)</a:t>
+            </a:r>
+          </a:p>
+          <a:p>
+            <a:pPr lvl="1"/>
+            <a:endParaRPr lang="fr-FR" sz="2600" dirty="0">
+              <a:solidFill>
+                <a:srgbClr val="569C87"/>
+              </a:solidFill>
+            </a:endParaRPr>
+          </a:p>
+          <a:p>
+            <a:pPr lvl="1"/>
+            <a:r>
+              <a:rPr lang="fr-FR" sz="2800" dirty="0">
+                <a:solidFill>
+                  <a:srgbClr val="569C87"/>
+                </a:solidFill>
+              </a:rPr>
+              <a:t> Codes HTML et CSS passent la validation W3C</a:t>
+            </a:r>
+          </a:p>
+          <a:p>
+            <a:pPr lvl="1"/>
+            <a:endParaRPr lang="fr-FR" sz="2800" dirty="0">
+              <a:solidFill>
+                <a:srgbClr val="569C87"/>
+              </a:solidFill>
+            </a:endParaRPr>
+          </a:p>
+          <a:p>
+            <a:pPr lvl="1"/>
+            <a:r>
+              <a:rPr lang="fr-FR" sz="2800" dirty="0">
+                <a:solidFill>
+                  <a:srgbClr val="569C87"/>
+                </a:solidFill>
+              </a:rPr>
+              <a:t> Site compatible avec version desktop de Chrome, Firefox et Safari</a:t>
+            </a:r>
+          </a:p>
+          <a:p>
+            <a:pPr lvl="1"/>
+            <a:endParaRPr lang="fr-FR" sz="2800" dirty="0">
+              <a:solidFill>
+                <a:srgbClr val="569C87"/>
+              </a:solidFill>
+            </a:endParaRPr>
+          </a:p>
+          <a:p>
+            <a:pPr lvl="1"/>
+            <a:r>
+              <a:rPr lang="fr-FR" sz="2800" dirty="0">
+                <a:solidFill>
+                  <a:srgbClr val="569C87"/>
+                </a:solidFill>
+              </a:rPr>
+              <a:t> Tout le développement a été fait en CSS3</a:t>
+            </a:r>
+          </a:p>
+          <a:p>
+            <a:pPr lvl="1"/>
+            <a:endParaRPr lang="fr-FR" sz="2800" dirty="0">
+              <a:solidFill>
+                <a:srgbClr val="569C87"/>
+              </a:solidFill>
+            </a:endParaRPr>
+          </a:p>
+        </p:txBody>
+      </p:sp>
+    </p:spTree>
+    <p:extLst>
+      <p:ext uri="{BB962C8B-B14F-4D97-AF65-F5344CB8AC3E}">
+        <p14:creationId xmlns:p14="http://schemas.microsoft.com/office/powerpoint/2010/main" val="2022863672"/>
       </p:ext>
     </p:extLst>
   </p:cSld>

--- a/OhMyFood!.pptx
+++ b/OhMyFood!.pptx
@@ -10,6 +10,11 @@
     <p:sldId id="258" r:id="rId4"/>
     <p:sldId id="259" r:id="rId5"/>
     <p:sldId id="260" r:id="rId6"/>
+    <p:sldId id="261" r:id="rId7"/>
+    <p:sldId id="262" r:id="rId8"/>
+    <p:sldId id="263" r:id="rId9"/>
+    <p:sldId id="264" r:id="rId10"/>
+    <p:sldId id="265" r:id="rId11"/>
   </p:sldIdLst>
   <p:sldSz cx="12192000" cy="6858000"/>
   <p:notesSz cx="6858000" cy="9144000"/>
@@ -5896,6 +5901,788 @@
 </p:sld>
 </file>
 
+<file path=ppt/slides/slide10.xml><?xml version="1.0" encoding="utf-8"?>
+<p:sld xmlns:a="http://schemas.openxmlformats.org/drawingml/2006/main" xmlns:r="http://schemas.openxmlformats.org/officeDocument/2006/relationships" xmlns:p="http://schemas.openxmlformats.org/presentationml/2006/main">
+  <p:cSld>
+    <p:spTree>
+      <p:nvGrpSpPr>
+        <p:cNvPr id="1" name=""/>
+        <p:cNvGrpSpPr/>
+        <p:nvPr/>
+      </p:nvGrpSpPr>
+      <p:grpSpPr>
+        <a:xfrm>
+          <a:off x="0" y="0"/>
+          <a:ext cx="0" cy="0"/>
+          <a:chOff x="0" y="0"/>
+          <a:chExt cx="0" cy="0"/>
+        </a:xfrm>
+      </p:grpSpPr>
+      <p:sp>
+        <p:nvSpPr>
+          <p:cNvPr id="2" name="Titre 1">
+            <a:extLst>
+              <a:ext uri="{FF2B5EF4-FFF2-40B4-BE49-F238E27FC236}">
+                <a16:creationId xmlns:a16="http://schemas.microsoft.com/office/drawing/2014/main" id="{1BFBBD04-D7A6-4E78-A4DA-41A4F66379D6}"/>
+              </a:ext>
+            </a:extLst>
+          </p:cNvPr>
+          <p:cNvSpPr>
+            <a:spLocks noGrp="1"/>
+          </p:cNvSpPr>
+          <p:nvPr>
+            <p:ph type="title"/>
+          </p:nvPr>
+        </p:nvSpPr>
+        <p:spPr>
+          <a:xfrm>
+            <a:off x="0" y="1"/>
+            <a:ext cx="12192000" cy="1683025"/>
+          </a:xfrm>
+          <a:solidFill>
+            <a:srgbClr val="569C87"/>
+          </a:solidFill>
+        </p:spPr>
+        <p:txBody>
+          <a:bodyPr/>
+          <a:lstStyle/>
+          <a:p>
+            <a:br>
+              <a:rPr lang="fr-FR" dirty="0"/>
+            </a:br>
+            <a:r>
+              <a:rPr lang="fr-FR" dirty="0">
+                <a:solidFill>
+                  <a:srgbClr val="FCCA46"/>
+                </a:solidFill>
+              </a:rPr>
+              <a:t>		Développement su site, ma méthode et mes choix</a:t>
+            </a:r>
+            <a:endParaRPr lang="fr-FR" dirty="0"/>
+          </a:p>
+        </p:txBody>
+      </p:sp>
+      <p:sp>
+        <p:nvSpPr>
+          <p:cNvPr id="3" name="Espace réservé du contenu 2">
+            <a:extLst>
+              <a:ext uri="{FF2B5EF4-FFF2-40B4-BE49-F238E27FC236}">
+                <a16:creationId xmlns:a16="http://schemas.microsoft.com/office/drawing/2014/main" id="{8BF82F1F-FE27-422E-A731-BCE11BE7D921}"/>
+              </a:ext>
+            </a:extLst>
+          </p:cNvPr>
+          <p:cNvSpPr>
+            <a:spLocks noGrp="1"/>
+          </p:cNvSpPr>
+          <p:nvPr>
+            <p:ph idx="1"/>
+          </p:nvPr>
+        </p:nvSpPr>
+        <p:spPr>
+          <a:xfrm>
+            <a:off x="0" y="1683026"/>
+            <a:ext cx="12192000" cy="5174975"/>
+          </a:xfrm>
+          <a:solidFill>
+            <a:srgbClr val="FCCA46"/>
+          </a:solidFill>
+        </p:spPr>
+        <p:txBody>
+          <a:bodyPr>
+            <a:normAutofit fontScale="77500" lnSpcReduction="20000"/>
+          </a:bodyPr>
+          <a:lstStyle/>
+          <a:p>
+            <a:pPr lvl="1"/>
+            <a:r>
+              <a:rPr lang="fr-FR" sz="3900" dirty="0">
+                <a:solidFill>
+                  <a:srgbClr val="569C87"/>
+                </a:solidFill>
+              </a:rPr>
+              <a:t> Partie CSS : Soulignement des sous-titres des menus au survol</a:t>
+            </a:r>
+          </a:p>
+          <a:p>
+            <a:pPr lvl="2"/>
+            <a:r>
+              <a:rPr lang="fr-FR" sz="2800" dirty="0">
+                <a:solidFill>
+                  <a:srgbClr val="569C87"/>
+                </a:solidFill>
+              </a:rPr>
+              <a:t> Propriétés : </a:t>
+            </a:r>
+          </a:p>
+          <a:p>
+            <a:pPr lvl="3"/>
+            <a:r>
+              <a:rPr lang="en-US" sz="2400" dirty="0">
+                <a:solidFill>
+                  <a:srgbClr val="000000"/>
+                </a:solidFill>
+                <a:latin typeface="Consolas" panose="020B0609020204030204" pitchFamily="49" charset="0"/>
+              </a:rPr>
+              <a:t>Pseudoclasse </a:t>
+            </a:r>
+            <a:r>
+              <a:rPr lang="en-US" sz="2400" dirty="0">
+                <a:solidFill>
+                  <a:srgbClr val="00B050"/>
+                </a:solidFill>
+                <a:latin typeface="Consolas" panose="020B0609020204030204" pitchFamily="49" charset="0"/>
+              </a:rPr>
+              <a:t>:hover </a:t>
+            </a:r>
+            <a:r>
+              <a:rPr lang="en-US" sz="2400" dirty="0">
+                <a:solidFill>
+                  <a:srgbClr val="000000"/>
+                </a:solidFill>
+                <a:latin typeface="Consolas" panose="020B0609020204030204" pitchFamily="49" charset="0"/>
+              </a:rPr>
+              <a:t>sur </a:t>
+            </a:r>
+            <a:r>
+              <a:rPr lang="en-US" sz="2400" dirty="0" err="1">
+                <a:solidFill>
+                  <a:srgbClr val="000000"/>
+                </a:solidFill>
+                <a:latin typeface="Consolas" panose="020B0609020204030204" pitchFamily="49" charset="0"/>
+              </a:rPr>
+              <a:t>nos</a:t>
+            </a:r>
+            <a:r>
+              <a:rPr lang="en-US" sz="2400" dirty="0">
+                <a:solidFill>
+                  <a:srgbClr val="000000"/>
+                </a:solidFill>
+                <a:latin typeface="Consolas" panose="020B0609020204030204" pitchFamily="49" charset="0"/>
+              </a:rPr>
+              <a:t> sous-</a:t>
+            </a:r>
+            <a:r>
+              <a:rPr lang="en-US" sz="2400" dirty="0" err="1">
+                <a:solidFill>
+                  <a:srgbClr val="000000"/>
+                </a:solidFill>
+                <a:latin typeface="Consolas" panose="020B0609020204030204" pitchFamily="49" charset="0"/>
+              </a:rPr>
+              <a:t>titres</a:t>
+            </a:r>
+            <a:r>
+              <a:rPr lang="en-US" sz="2400" dirty="0">
+                <a:solidFill>
+                  <a:srgbClr val="000000"/>
+                </a:solidFill>
+                <a:latin typeface="Consolas" panose="020B0609020204030204" pitchFamily="49" charset="0"/>
+              </a:rPr>
+              <a:t> avec le Pseudo-</a:t>
+            </a:r>
+            <a:r>
+              <a:rPr lang="en-US" sz="2400" dirty="0" err="1">
+                <a:solidFill>
+                  <a:srgbClr val="000000"/>
+                </a:solidFill>
+                <a:latin typeface="Consolas" panose="020B0609020204030204" pitchFamily="49" charset="0"/>
+              </a:rPr>
+              <a:t>élément</a:t>
+            </a:r>
+            <a:r>
+              <a:rPr lang="en-US" sz="2400" dirty="0">
+                <a:solidFill>
+                  <a:srgbClr val="000000"/>
+                </a:solidFill>
+                <a:latin typeface="Consolas" panose="020B0609020204030204" pitchFamily="49" charset="0"/>
+              </a:rPr>
+              <a:t> </a:t>
+            </a:r>
+            <a:r>
+              <a:rPr lang="en-US" sz="2400" dirty="0">
+                <a:solidFill>
+                  <a:srgbClr val="00B050"/>
+                </a:solidFill>
+                <a:latin typeface="Consolas" panose="020B0609020204030204" pitchFamily="49" charset="0"/>
+              </a:rPr>
+              <a:t>::after </a:t>
+            </a:r>
+          </a:p>
+          <a:p>
+            <a:pPr lvl="3"/>
+            <a:endParaRPr lang="en-US" sz="2400" dirty="0">
+              <a:solidFill>
+                <a:srgbClr val="000000"/>
+              </a:solidFill>
+              <a:latin typeface="Consolas" panose="020B0609020204030204" pitchFamily="49" charset="0"/>
+            </a:endParaRPr>
+          </a:p>
+          <a:p>
+            <a:pPr lvl="4"/>
+            <a:r>
+              <a:rPr lang="fr-FR" sz="2000" dirty="0">
+                <a:solidFill>
+                  <a:srgbClr val="800000"/>
+                </a:solidFill>
+                <a:latin typeface="Consolas" panose="020B0609020204030204" pitchFamily="49" charset="0"/>
+              </a:rPr>
+              <a:t>#bodyMenu1</a:t>
+            </a:r>
+            <a:r>
+              <a:rPr lang="fr-FR" sz="2000" dirty="0">
+                <a:solidFill>
+                  <a:srgbClr val="000000"/>
+                </a:solidFill>
+                <a:latin typeface="Consolas" panose="020B0609020204030204" pitchFamily="49" charset="0"/>
+              </a:rPr>
+              <a:t> </a:t>
+            </a:r>
+            <a:r>
+              <a:rPr lang="fr-FR" sz="2000" dirty="0">
+                <a:solidFill>
+                  <a:srgbClr val="800000"/>
+                </a:solidFill>
+                <a:latin typeface="Consolas" panose="020B0609020204030204" pitchFamily="49" charset="0"/>
+              </a:rPr>
+              <a:t>.sousTitre1:hover::</a:t>
+            </a:r>
+            <a:r>
+              <a:rPr lang="fr-FR" sz="2000" dirty="0" err="1">
+                <a:solidFill>
+                  <a:srgbClr val="800000"/>
+                </a:solidFill>
+                <a:latin typeface="Consolas" panose="020B0609020204030204" pitchFamily="49" charset="0"/>
+              </a:rPr>
+              <a:t>after</a:t>
+            </a:r>
+            <a:r>
+              <a:rPr lang="fr-FR" sz="2000" dirty="0">
+                <a:solidFill>
+                  <a:srgbClr val="000000"/>
+                </a:solidFill>
+                <a:latin typeface="Consolas" panose="020B0609020204030204" pitchFamily="49" charset="0"/>
+              </a:rPr>
+              <a:t> {</a:t>
+            </a:r>
+          </a:p>
+          <a:p>
+            <a:pPr lvl="4"/>
+            <a:r>
+              <a:rPr lang="fr-FR" sz="2000" dirty="0">
+                <a:solidFill>
+                  <a:srgbClr val="000000"/>
+                </a:solidFill>
+                <a:latin typeface="Consolas" panose="020B0609020204030204" pitchFamily="49" charset="0"/>
+              </a:rPr>
+              <a:t>    </a:t>
+            </a:r>
+            <a:r>
+              <a:rPr lang="fr-FR" sz="2000" dirty="0" err="1">
+                <a:solidFill>
+                  <a:srgbClr val="FF0000"/>
+                </a:solidFill>
+                <a:latin typeface="Consolas" panose="020B0609020204030204" pitchFamily="49" charset="0"/>
+              </a:rPr>
+              <a:t>transform</a:t>
+            </a:r>
+            <a:r>
+              <a:rPr lang="fr-FR" sz="2000" dirty="0">
+                <a:solidFill>
+                  <a:srgbClr val="000000"/>
+                </a:solidFill>
+                <a:latin typeface="Consolas" panose="020B0609020204030204" pitchFamily="49" charset="0"/>
+              </a:rPr>
+              <a:t>: </a:t>
+            </a:r>
+            <a:r>
+              <a:rPr lang="fr-FR" sz="2000" dirty="0" err="1">
+                <a:solidFill>
+                  <a:srgbClr val="000000"/>
+                </a:solidFill>
+                <a:latin typeface="Consolas" panose="020B0609020204030204" pitchFamily="49" charset="0"/>
+              </a:rPr>
+              <a:t>scaleX</a:t>
+            </a:r>
+            <a:r>
+              <a:rPr lang="fr-FR" sz="2000" dirty="0">
+                <a:solidFill>
+                  <a:srgbClr val="000000"/>
+                </a:solidFill>
+                <a:latin typeface="Consolas" panose="020B0609020204030204" pitchFamily="49" charset="0"/>
+              </a:rPr>
+              <a:t>(</a:t>
+            </a:r>
+            <a:r>
+              <a:rPr lang="fr-FR" sz="2000" dirty="0">
+                <a:solidFill>
+                  <a:srgbClr val="098658"/>
+                </a:solidFill>
+                <a:latin typeface="Consolas" panose="020B0609020204030204" pitchFamily="49" charset="0"/>
+              </a:rPr>
+              <a:t>1</a:t>
+            </a:r>
+            <a:r>
+              <a:rPr lang="fr-FR" sz="2000" dirty="0">
+                <a:solidFill>
+                  <a:srgbClr val="000000"/>
+                </a:solidFill>
+                <a:latin typeface="Consolas" panose="020B0609020204030204" pitchFamily="49" charset="0"/>
+              </a:rPr>
+              <a:t>);</a:t>
+            </a:r>
+          </a:p>
+          <a:p>
+            <a:pPr lvl="4"/>
+            <a:r>
+              <a:rPr lang="fr-FR" sz="2000" dirty="0">
+                <a:solidFill>
+                  <a:srgbClr val="000000"/>
+                </a:solidFill>
+                <a:latin typeface="Consolas" panose="020B0609020204030204" pitchFamily="49" charset="0"/>
+              </a:rPr>
+              <a:t>}</a:t>
+            </a:r>
+          </a:p>
+          <a:p>
+            <a:pPr lvl="4"/>
+            <a:r>
+              <a:rPr lang="fr-FR" sz="2000" dirty="0">
+                <a:solidFill>
+                  <a:srgbClr val="800000"/>
+                </a:solidFill>
+                <a:latin typeface="Consolas" panose="020B0609020204030204" pitchFamily="49" charset="0"/>
+              </a:rPr>
+              <a:t>#bodyMenu1</a:t>
+            </a:r>
+            <a:r>
+              <a:rPr lang="fr-FR" sz="2000" dirty="0">
+                <a:solidFill>
+                  <a:srgbClr val="000000"/>
+                </a:solidFill>
+                <a:latin typeface="Consolas" panose="020B0609020204030204" pitchFamily="49" charset="0"/>
+              </a:rPr>
+              <a:t> </a:t>
+            </a:r>
+            <a:r>
+              <a:rPr lang="fr-FR" sz="2000" dirty="0">
+                <a:solidFill>
+                  <a:srgbClr val="800000"/>
+                </a:solidFill>
+                <a:latin typeface="Consolas" panose="020B0609020204030204" pitchFamily="49" charset="0"/>
+              </a:rPr>
+              <a:t>.sousTitre1::</a:t>
+            </a:r>
+            <a:r>
+              <a:rPr lang="fr-FR" sz="2000" dirty="0" err="1">
+                <a:solidFill>
+                  <a:srgbClr val="800000"/>
+                </a:solidFill>
+                <a:latin typeface="Consolas" panose="020B0609020204030204" pitchFamily="49" charset="0"/>
+              </a:rPr>
+              <a:t>after</a:t>
+            </a:r>
+            <a:r>
+              <a:rPr lang="fr-FR" sz="2000" dirty="0">
+                <a:solidFill>
+                  <a:srgbClr val="000000"/>
+                </a:solidFill>
+                <a:latin typeface="Consolas" panose="020B0609020204030204" pitchFamily="49" charset="0"/>
+              </a:rPr>
+              <a:t> {</a:t>
+            </a:r>
+          </a:p>
+          <a:p>
+            <a:pPr lvl="4"/>
+            <a:r>
+              <a:rPr lang="fr-FR" sz="2000" dirty="0">
+                <a:solidFill>
+                  <a:srgbClr val="000000"/>
+                </a:solidFill>
+                <a:latin typeface="Consolas" panose="020B0609020204030204" pitchFamily="49" charset="0"/>
+              </a:rPr>
+              <a:t>    </a:t>
+            </a:r>
+            <a:r>
+              <a:rPr lang="fr-FR" sz="2000" dirty="0">
+                <a:solidFill>
+                  <a:srgbClr val="FF0000"/>
+                </a:solidFill>
+                <a:latin typeface="Consolas" panose="020B0609020204030204" pitchFamily="49" charset="0"/>
+              </a:rPr>
+              <a:t>content</a:t>
+            </a:r>
+            <a:r>
+              <a:rPr lang="fr-FR" sz="2000" dirty="0">
+                <a:solidFill>
+                  <a:srgbClr val="000000"/>
+                </a:solidFill>
+                <a:latin typeface="Consolas" panose="020B0609020204030204" pitchFamily="49" charset="0"/>
+              </a:rPr>
+              <a:t>: </a:t>
+            </a:r>
+            <a:r>
+              <a:rPr lang="fr-FR" sz="2000" dirty="0">
+                <a:solidFill>
+                  <a:srgbClr val="A31515"/>
+                </a:solidFill>
+                <a:latin typeface="Consolas" panose="020B0609020204030204" pitchFamily="49" charset="0"/>
+              </a:rPr>
+              <a:t>""</a:t>
+            </a:r>
+            <a:r>
+              <a:rPr lang="fr-FR" sz="2000" dirty="0">
+                <a:solidFill>
+                  <a:srgbClr val="000000"/>
+                </a:solidFill>
+                <a:latin typeface="Consolas" panose="020B0609020204030204" pitchFamily="49" charset="0"/>
+              </a:rPr>
+              <a:t>;</a:t>
+            </a:r>
+          </a:p>
+          <a:p>
+            <a:pPr lvl="4"/>
+            <a:r>
+              <a:rPr lang="fr-FR" sz="2000" dirty="0">
+                <a:solidFill>
+                  <a:srgbClr val="000000"/>
+                </a:solidFill>
+                <a:latin typeface="Consolas" panose="020B0609020204030204" pitchFamily="49" charset="0"/>
+              </a:rPr>
+              <a:t>    </a:t>
+            </a:r>
+            <a:r>
+              <a:rPr lang="fr-FR" sz="2000" dirty="0">
+                <a:solidFill>
+                  <a:srgbClr val="FF0000"/>
+                </a:solidFill>
+                <a:latin typeface="Consolas" panose="020B0609020204030204" pitchFamily="49" charset="0"/>
+              </a:rPr>
+              <a:t>display</a:t>
+            </a:r>
+            <a:r>
+              <a:rPr lang="fr-FR" sz="2000" dirty="0">
+                <a:solidFill>
+                  <a:srgbClr val="000000"/>
+                </a:solidFill>
+                <a:latin typeface="Consolas" panose="020B0609020204030204" pitchFamily="49" charset="0"/>
+              </a:rPr>
+              <a:t>: </a:t>
+            </a:r>
+            <a:r>
+              <a:rPr lang="fr-FR" sz="2000" dirty="0">
+                <a:solidFill>
+                  <a:srgbClr val="0451A5"/>
+                </a:solidFill>
+                <a:latin typeface="Consolas" panose="020B0609020204030204" pitchFamily="49" charset="0"/>
+              </a:rPr>
+              <a:t>block</a:t>
+            </a:r>
+            <a:r>
+              <a:rPr lang="fr-FR" sz="2000" dirty="0">
+                <a:solidFill>
+                  <a:srgbClr val="000000"/>
+                </a:solidFill>
+                <a:latin typeface="Consolas" panose="020B0609020204030204" pitchFamily="49" charset="0"/>
+              </a:rPr>
+              <a:t>;</a:t>
+            </a:r>
+          </a:p>
+          <a:p>
+            <a:pPr lvl="4"/>
+            <a:r>
+              <a:rPr lang="fr-FR" sz="2000" dirty="0">
+                <a:solidFill>
+                  <a:srgbClr val="000000"/>
+                </a:solidFill>
+                <a:latin typeface="Consolas" panose="020B0609020204030204" pitchFamily="49" charset="0"/>
+              </a:rPr>
+              <a:t>    </a:t>
+            </a:r>
+            <a:r>
+              <a:rPr lang="fr-FR" sz="2000" dirty="0">
+                <a:solidFill>
+                  <a:srgbClr val="FF0000"/>
+                </a:solidFill>
+                <a:latin typeface="Consolas" panose="020B0609020204030204" pitchFamily="49" charset="0"/>
+              </a:rPr>
+              <a:t>border-</a:t>
+            </a:r>
+            <a:r>
+              <a:rPr lang="fr-FR" sz="2000" dirty="0" err="1">
+                <a:solidFill>
+                  <a:srgbClr val="FF0000"/>
+                </a:solidFill>
+                <a:latin typeface="Consolas" panose="020B0609020204030204" pitchFamily="49" charset="0"/>
+              </a:rPr>
+              <a:t>bottom</a:t>
+            </a:r>
+            <a:r>
+              <a:rPr lang="fr-FR" sz="2000" dirty="0">
+                <a:solidFill>
+                  <a:srgbClr val="000000"/>
+                </a:solidFill>
+                <a:latin typeface="Consolas" panose="020B0609020204030204" pitchFamily="49" charset="0"/>
+              </a:rPr>
+              <a:t>: </a:t>
+            </a:r>
+            <a:r>
+              <a:rPr lang="fr-FR" sz="2000" dirty="0" err="1">
+                <a:solidFill>
+                  <a:srgbClr val="0451A5"/>
+                </a:solidFill>
+                <a:latin typeface="Consolas" panose="020B0609020204030204" pitchFamily="49" charset="0"/>
+              </a:rPr>
+              <a:t>solid</a:t>
+            </a:r>
+            <a:r>
+              <a:rPr lang="fr-FR" sz="2000" dirty="0">
+                <a:solidFill>
+                  <a:srgbClr val="000000"/>
+                </a:solidFill>
+                <a:latin typeface="Consolas" panose="020B0609020204030204" pitchFamily="49" charset="0"/>
+              </a:rPr>
+              <a:t> </a:t>
+            </a:r>
+            <a:r>
+              <a:rPr lang="fr-FR" sz="2000" dirty="0">
+                <a:solidFill>
+                  <a:srgbClr val="098658"/>
+                </a:solidFill>
+                <a:latin typeface="Consolas" panose="020B0609020204030204" pitchFamily="49" charset="0"/>
+              </a:rPr>
+              <a:t>3px</a:t>
+            </a:r>
+            <a:r>
+              <a:rPr lang="fr-FR" sz="2000" dirty="0">
+                <a:solidFill>
+                  <a:srgbClr val="000000"/>
+                </a:solidFill>
+                <a:latin typeface="Consolas" panose="020B0609020204030204" pitchFamily="49" charset="0"/>
+              </a:rPr>
+              <a:t>;</a:t>
+            </a:r>
+          </a:p>
+          <a:p>
+            <a:pPr lvl="4"/>
+            <a:r>
+              <a:rPr lang="fr-FR" sz="2000" dirty="0">
+                <a:solidFill>
+                  <a:srgbClr val="000000"/>
+                </a:solidFill>
+                <a:latin typeface="Consolas" panose="020B0609020204030204" pitchFamily="49" charset="0"/>
+              </a:rPr>
+              <a:t>    </a:t>
+            </a:r>
+            <a:r>
+              <a:rPr lang="fr-FR" sz="2000" dirty="0" err="1">
+                <a:solidFill>
+                  <a:srgbClr val="FF0000"/>
+                </a:solidFill>
+                <a:latin typeface="Consolas" panose="020B0609020204030204" pitchFamily="49" charset="0"/>
+              </a:rPr>
+              <a:t>transform</a:t>
+            </a:r>
+            <a:r>
+              <a:rPr lang="fr-FR" sz="2000" dirty="0">
+                <a:solidFill>
+                  <a:srgbClr val="000000"/>
+                </a:solidFill>
+                <a:latin typeface="Consolas" panose="020B0609020204030204" pitchFamily="49" charset="0"/>
+              </a:rPr>
+              <a:t>: </a:t>
+            </a:r>
+            <a:r>
+              <a:rPr lang="fr-FR" sz="2000" dirty="0" err="1">
+                <a:solidFill>
+                  <a:srgbClr val="000000"/>
+                </a:solidFill>
+                <a:latin typeface="Consolas" panose="020B0609020204030204" pitchFamily="49" charset="0"/>
+              </a:rPr>
+              <a:t>scaleX</a:t>
+            </a:r>
+            <a:r>
+              <a:rPr lang="fr-FR" sz="2000" dirty="0">
+                <a:solidFill>
+                  <a:srgbClr val="000000"/>
+                </a:solidFill>
+                <a:latin typeface="Consolas" panose="020B0609020204030204" pitchFamily="49" charset="0"/>
+              </a:rPr>
+              <a:t>(</a:t>
+            </a:r>
+            <a:r>
+              <a:rPr lang="fr-FR" sz="2000" dirty="0">
+                <a:solidFill>
+                  <a:srgbClr val="098658"/>
+                </a:solidFill>
+                <a:latin typeface="Consolas" panose="020B0609020204030204" pitchFamily="49" charset="0"/>
+              </a:rPr>
+              <a:t>0</a:t>
+            </a:r>
+            <a:r>
+              <a:rPr lang="fr-FR" sz="2000" dirty="0">
+                <a:solidFill>
+                  <a:srgbClr val="000000"/>
+                </a:solidFill>
+                <a:latin typeface="Consolas" panose="020B0609020204030204" pitchFamily="49" charset="0"/>
+              </a:rPr>
+              <a:t>);</a:t>
+            </a:r>
+          </a:p>
+          <a:p>
+            <a:pPr lvl="4"/>
+            <a:r>
+              <a:rPr lang="fr-FR" sz="2000" dirty="0">
+                <a:solidFill>
+                  <a:srgbClr val="000000"/>
+                </a:solidFill>
+                <a:latin typeface="Consolas" panose="020B0609020204030204" pitchFamily="49" charset="0"/>
+              </a:rPr>
+              <a:t>    </a:t>
+            </a:r>
+            <a:r>
+              <a:rPr lang="fr-FR" sz="2000" dirty="0">
+                <a:solidFill>
+                  <a:srgbClr val="FF0000"/>
+                </a:solidFill>
+                <a:latin typeface="Consolas" panose="020B0609020204030204" pitchFamily="49" charset="0"/>
+              </a:rPr>
+              <a:t>transition</a:t>
+            </a:r>
+            <a:r>
+              <a:rPr lang="fr-FR" sz="2000" dirty="0">
+                <a:solidFill>
+                  <a:srgbClr val="000000"/>
+                </a:solidFill>
+                <a:latin typeface="Consolas" panose="020B0609020204030204" pitchFamily="49" charset="0"/>
+              </a:rPr>
+              <a:t>: </a:t>
+            </a:r>
+            <a:r>
+              <a:rPr lang="fr-FR" sz="2000" dirty="0">
+                <a:solidFill>
+                  <a:srgbClr val="098658"/>
+                </a:solidFill>
+                <a:latin typeface="Consolas" panose="020B0609020204030204" pitchFamily="49" charset="0"/>
+              </a:rPr>
+              <a:t>0.5s</a:t>
+            </a:r>
+            <a:r>
+              <a:rPr lang="fr-FR" sz="2000" dirty="0">
+                <a:solidFill>
+                  <a:srgbClr val="000000"/>
+                </a:solidFill>
+                <a:latin typeface="Consolas" panose="020B0609020204030204" pitchFamily="49" charset="0"/>
+              </a:rPr>
+              <a:t>;</a:t>
+            </a:r>
+          </a:p>
+          <a:p>
+            <a:pPr lvl="4"/>
+            <a:r>
+              <a:rPr lang="fr-FR" sz="2000" dirty="0">
+                <a:solidFill>
+                  <a:srgbClr val="000000"/>
+                </a:solidFill>
+                <a:latin typeface="Consolas" panose="020B0609020204030204" pitchFamily="49" charset="0"/>
+              </a:rPr>
+              <a:t>    </a:t>
+            </a:r>
+            <a:r>
+              <a:rPr lang="fr-FR" sz="2000" dirty="0" err="1">
+                <a:solidFill>
+                  <a:srgbClr val="FF0000"/>
+                </a:solidFill>
+                <a:latin typeface="Consolas" panose="020B0609020204030204" pitchFamily="49" charset="0"/>
+              </a:rPr>
+              <a:t>transform-origin</a:t>
+            </a:r>
+            <a:r>
+              <a:rPr lang="fr-FR" sz="2000" dirty="0">
+                <a:solidFill>
+                  <a:srgbClr val="000000"/>
+                </a:solidFill>
+                <a:latin typeface="Consolas" panose="020B0609020204030204" pitchFamily="49" charset="0"/>
+              </a:rPr>
+              <a:t>: </a:t>
+            </a:r>
+            <a:r>
+              <a:rPr lang="fr-FR" sz="2000" dirty="0">
+                <a:solidFill>
+                  <a:srgbClr val="098658"/>
+                </a:solidFill>
+                <a:latin typeface="Consolas" panose="020B0609020204030204" pitchFamily="49" charset="0"/>
+              </a:rPr>
+              <a:t>0%</a:t>
+            </a:r>
+            <a:r>
+              <a:rPr lang="fr-FR" sz="2000" dirty="0">
+                <a:solidFill>
+                  <a:srgbClr val="000000"/>
+                </a:solidFill>
+                <a:latin typeface="Consolas" panose="020B0609020204030204" pitchFamily="49" charset="0"/>
+              </a:rPr>
+              <a:t> </a:t>
+            </a:r>
+            <a:r>
+              <a:rPr lang="fr-FR" sz="2000" dirty="0">
+                <a:solidFill>
+                  <a:srgbClr val="098658"/>
+                </a:solidFill>
+                <a:latin typeface="Consolas" panose="020B0609020204030204" pitchFamily="49" charset="0"/>
+              </a:rPr>
+              <a:t>50%</a:t>
+            </a:r>
+            <a:r>
+              <a:rPr lang="fr-FR" sz="2000" dirty="0">
+                <a:solidFill>
+                  <a:srgbClr val="000000"/>
+                </a:solidFill>
+                <a:latin typeface="Consolas" panose="020B0609020204030204" pitchFamily="49" charset="0"/>
+              </a:rPr>
+              <a:t>;</a:t>
+            </a:r>
+          </a:p>
+          <a:p>
+            <a:r>
+              <a:rPr lang="fr-FR" dirty="0">
+                <a:solidFill>
+                  <a:srgbClr val="000000"/>
+                </a:solidFill>
+                <a:latin typeface="Consolas" panose="020B0609020204030204" pitchFamily="49" charset="0"/>
+              </a:rPr>
+              <a:t>}</a:t>
+            </a:r>
+          </a:p>
+          <a:p>
+            <a:pPr lvl="3"/>
+            <a:endParaRPr lang="fr-FR" sz="2800" dirty="0">
+              <a:solidFill>
+                <a:srgbClr val="569C87"/>
+              </a:solidFill>
+            </a:endParaRPr>
+          </a:p>
+          <a:p>
+            <a:pPr lvl="1"/>
+            <a:endParaRPr lang="fr-FR" sz="2800" dirty="0">
+              <a:solidFill>
+                <a:srgbClr val="569C87"/>
+              </a:solidFill>
+            </a:endParaRPr>
+          </a:p>
+        </p:txBody>
+      </p:sp>
+    </p:spTree>
+    <p:extLst>
+      <p:ext uri="{BB962C8B-B14F-4D97-AF65-F5344CB8AC3E}">
+        <p14:creationId xmlns:p14="http://schemas.microsoft.com/office/powerpoint/2010/main" val="3415569590"/>
+      </p:ext>
+    </p:extLst>
+  </p:cSld>
+  <p:clrMapOvr>
+    <a:masterClrMapping/>
+  </p:clrMapOvr>
+</p:sld>
+</file>
+
 <file path=ppt/slides/slide2.xml><?xml version="1.0" encoding="utf-8"?>
 <p:sld xmlns:a="http://schemas.openxmlformats.org/drawingml/2006/main" xmlns:r="http://schemas.openxmlformats.org/officeDocument/2006/relationships" xmlns:p="http://schemas.openxmlformats.org/presentationml/2006/main">
   <p:cSld>
@@ -5932,7 +6719,7 @@
         <p:spPr>
           <a:xfrm>
             <a:off x="0" y="0"/>
-            <a:ext cx="12192000" cy="1930400"/>
+            <a:ext cx="12192000" cy="1630017"/>
           </a:xfrm>
           <a:solidFill>
             <a:srgbClr val="569C87"/>
@@ -5975,8 +6762,8 @@
         </p:nvSpPr>
         <p:spPr>
           <a:xfrm>
-            <a:off x="0" y="1930401"/>
-            <a:ext cx="12192000" cy="4927600"/>
+            <a:off x="0" y="1630017"/>
+            <a:ext cx="12192000" cy="5227984"/>
           </a:xfrm>
           <a:solidFill>
             <a:srgbClr val="FCCA46"/>
@@ -6162,7 +6949,7 @@
         <p:spPr>
           <a:xfrm>
             <a:off x="0" y="0"/>
-            <a:ext cx="12192000" cy="1930400"/>
+            <a:ext cx="12192000" cy="1563757"/>
           </a:xfrm>
           <a:solidFill>
             <a:srgbClr val="569C87"/>
@@ -6205,8 +6992,8 @@
         </p:nvSpPr>
         <p:spPr>
           <a:xfrm>
-            <a:off x="0" y="1930401"/>
-            <a:ext cx="12192000" cy="4927600"/>
+            <a:off x="0" y="1563757"/>
+            <a:ext cx="12192000" cy="5294244"/>
           </a:xfrm>
           <a:solidFill>
             <a:srgbClr val="FCCA46"/>
@@ -6642,7 +7429,7 @@
         <p:spPr>
           <a:xfrm>
             <a:off x="0" y="1"/>
-            <a:ext cx="12192000" cy="1930400"/>
+            <a:ext cx="12192000" cy="1630016"/>
           </a:xfrm>
           <a:solidFill>
             <a:srgbClr val="569C87"/>
@@ -6661,7 +7448,7 @@
                   <a:srgbClr val="FCCA46"/>
                 </a:solidFill>
               </a:rPr>
-              <a:t>		Développement su site, ma méthode et mes choix</a:t>
+              <a:t>		Développement du site, ma méthode et mes choix</a:t>
             </a:r>
             <a:endParaRPr lang="fr-FR" dirty="0"/>
           </a:p>
@@ -6685,8 +7472,8 @@
         </p:nvSpPr>
         <p:spPr>
           <a:xfrm>
-            <a:off x="0" y="1930401"/>
-            <a:ext cx="12192000" cy="4927600"/>
+            <a:off x="0" y="1630017"/>
+            <a:ext cx="12192000" cy="5227984"/>
           </a:xfrm>
           <a:solidFill>
             <a:srgbClr val="FCCA46"/>
@@ -6694,7 +7481,7 @@
         </p:spPr>
         <p:txBody>
           <a:bodyPr>
-            <a:normAutofit fontScale="92500" lnSpcReduction="20000"/>
+            <a:normAutofit/>
           </a:bodyPr>
           <a:lstStyle/>
           <a:p>
@@ -6712,41 +7499,7 @@
                   <a:srgbClr val="569C87"/>
                 </a:solidFill>
               </a:rPr>
-              <a:t>Respect visuel de la maquette de Fanny (</a:t>
-            </a:r>
-            <a:r>
-              <a:rPr lang="fr-FR" sz="2800" dirty="0">
-                <a:solidFill>
-                  <a:srgbClr val="569C87"/>
-                </a:solidFill>
-                <a:hlinkClick r:id="rId2" action="ppaction://hlinkfile"/>
-              </a:rPr>
-              <a:t>Maquette 1</a:t>
-            </a:r>
-            <a:r>
-              <a:rPr lang="fr-FR" sz="2800" dirty="0">
-                <a:solidFill>
-                  <a:srgbClr val="569C87"/>
-                </a:solidFill>
-              </a:rPr>
-              <a:t> - </a:t>
-            </a:r>
-            <a:r>
-              <a:rPr lang="fr-FR" sz="2800" dirty="0">
-                <a:solidFill>
-                  <a:srgbClr val="569C87"/>
-                </a:solidFill>
-                <a:hlinkClick r:id="rId3" action="ppaction://hlinkfile"/>
-              </a:rPr>
-              <a:t>Maquette 2</a:t>
-            </a:r>
-            <a:r>
-              <a:rPr lang="fr-FR" sz="2800" dirty="0">
-                <a:solidFill>
-                  <a:srgbClr val="569C87"/>
-                </a:solidFill>
-              </a:rPr>
-              <a:t>)</a:t>
+              <a:t> Partie HTML : sémantique claire et concise</a:t>
             </a:r>
           </a:p>
           <a:p>
@@ -6758,14 +7511,46 @@
             </a:endParaRPr>
           </a:p>
           <a:p>
-            <a:pPr lvl="1"/>
-            <a:r>
-              <a:rPr lang="fr-FR" sz="2800" dirty="0">
+            <a:pPr lvl="2"/>
+            <a:r>
+              <a:rPr lang="fr-FR" sz="2600" dirty="0">
                 <a:solidFill>
                   <a:srgbClr val="569C87"/>
                 </a:solidFill>
               </a:rPr>
-              <a:t> Site est en version responsive (Ecrans d’ordinateur, tablettes, smartphones)</a:t>
+              <a:t> Une indentation la plus épurée possible avec un header, des sections, </a:t>
+            </a:r>
+            <a:r>
+              <a:rPr lang="fr-FR" sz="2600" dirty="0" err="1">
+                <a:solidFill>
+                  <a:srgbClr val="569C87"/>
+                </a:solidFill>
+              </a:rPr>
+              <a:t>divs</a:t>
+            </a:r>
+            <a:r>
+              <a:rPr lang="fr-FR" sz="2600" dirty="0">
+                <a:solidFill>
+                  <a:srgbClr val="569C87"/>
+                </a:solidFill>
+              </a:rPr>
+              <a:t> et un </a:t>
+            </a:r>
+            <a:r>
+              <a:rPr lang="fr-FR" sz="2600" dirty="0" err="1">
+                <a:solidFill>
+                  <a:srgbClr val="569C87"/>
+                </a:solidFill>
+              </a:rPr>
+              <a:t>footer</a:t>
+            </a:r>
+            <a:r>
+              <a:rPr lang="fr-FR" sz="2600" dirty="0">
+                <a:solidFill>
+                  <a:srgbClr val="569C87"/>
+                </a:solidFill>
+              </a:rPr>
+              <a:t> pour la page principale</a:t>
             </a:r>
           </a:p>
           <a:p>
@@ -6777,6 +7562,27 @@
             </a:endParaRPr>
           </a:p>
           <a:p>
+            <a:pPr lvl="2"/>
+            <a:r>
+              <a:rPr lang="fr-FR" sz="2600" dirty="0">
+                <a:solidFill>
+                  <a:srgbClr val="569C87"/>
+                </a:solidFill>
+              </a:rPr>
+              <a:t> Une indentation uniforme et similaire avec une balise article et des sections à l’intérieur pour les menus</a:t>
+            </a:r>
+          </a:p>
+          <a:p>
+            <a:pPr marL="457200" lvl="1" indent="0">
+              <a:buNone/>
+            </a:pPr>
+            <a:endParaRPr lang="fr-FR" sz="2800" dirty="0">
+              <a:solidFill>
+                <a:srgbClr val="569C87"/>
+              </a:solidFill>
+            </a:endParaRPr>
+          </a:p>
+          <a:p>
             <a:pPr lvl="1"/>
             <a:r>
               <a:rPr lang="fr-FR" sz="2800" dirty="0">
@@ -6784,7 +7590,7 @@
                   <a:srgbClr val="569C87"/>
                 </a:solidFill>
               </a:rPr>
-              <a:t> Codes HTML et CSS passent la validation W3C</a:t>
+              <a:t> Code passant la validation W3C sans erreurs</a:t>
             </a:r>
           </a:p>
           <a:p>
@@ -6795,6 +7601,119 @@
               </a:solidFill>
             </a:endParaRPr>
           </a:p>
+        </p:txBody>
+      </p:sp>
+    </p:spTree>
+    <p:extLst>
+      <p:ext uri="{BB962C8B-B14F-4D97-AF65-F5344CB8AC3E}">
+        <p14:creationId xmlns:p14="http://schemas.microsoft.com/office/powerpoint/2010/main" val="2022863672"/>
+      </p:ext>
+    </p:extLst>
+  </p:cSld>
+  <p:clrMapOvr>
+    <a:masterClrMapping/>
+  </p:clrMapOvr>
+</p:sld>
+</file>
+
+<file path=ppt/slides/slide6.xml><?xml version="1.0" encoding="utf-8"?>
+<p:sld xmlns:a="http://schemas.openxmlformats.org/drawingml/2006/main" xmlns:r="http://schemas.openxmlformats.org/officeDocument/2006/relationships" xmlns:p="http://schemas.openxmlformats.org/presentationml/2006/main">
+  <p:cSld>
+    <p:spTree>
+      <p:nvGrpSpPr>
+        <p:cNvPr id="1" name=""/>
+        <p:cNvGrpSpPr/>
+        <p:nvPr/>
+      </p:nvGrpSpPr>
+      <p:grpSpPr>
+        <a:xfrm>
+          <a:off x="0" y="0"/>
+          <a:ext cx="0" cy="0"/>
+          <a:chOff x="0" y="0"/>
+          <a:chExt cx="0" cy="0"/>
+        </a:xfrm>
+      </p:grpSpPr>
+      <p:sp>
+        <p:nvSpPr>
+          <p:cNvPr id="2" name="Titre 1">
+            <a:extLst>
+              <a:ext uri="{FF2B5EF4-FFF2-40B4-BE49-F238E27FC236}">
+                <a16:creationId xmlns:a16="http://schemas.microsoft.com/office/drawing/2014/main" id="{1BFBBD04-D7A6-4E78-A4DA-41A4F66379D6}"/>
+              </a:ext>
+            </a:extLst>
+          </p:cNvPr>
+          <p:cNvSpPr>
+            <a:spLocks noGrp="1"/>
+          </p:cNvSpPr>
+          <p:nvPr>
+            <p:ph type="title"/>
+          </p:nvPr>
+        </p:nvSpPr>
+        <p:spPr>
+          <a:xfrm>
+            <a:off x="0" y="1"/>
+            <a:ext cx="12192000" cy="1683025"/>
+          </a:xfrm>
+          <a:solidFill>
+            <a:srgbClr val="569C87"/>
+          </a:solidFill>
+        </p:spPr>
+        <p:txBody>
+          <a:bodyPr/>
+          <a:lstStyle/>
+          <a:p>
+            <a:br>
+              <a:rPr lang="fr-FR" dirty="0"/>
+            </a:br>
+            <a:r>
+              <a:rPr lang="fr-FR" dirty="0">
+                <a:solidFill>
+                  <a:srgbClr val="FCCA46"/>
+                </a:solidFill>
+              </a:rPr>
+              <a:t>		Développement su site, ma méthode et mes choix</a:t>
+            </a:r>
+            <a:endParaRPr lang="fr-FR" dirty="0"/>
+          </a:p>
+        </p:txBody>
+      </p:sp>
+      <p:sp>
+        <p:nvSpPr>
+          <p:cNvPr id="3" name="Espace réservé du contenu 2">
+            <a:extLst>
+              <a:ext uri="{FF2B5EF4-FFF2-40B4-BE49-F238E27FC236}">
+                <a16:creationId xmlns:a16="http://schemas.microsoft.com/office/drawing/2014/main" id="{8BF82F1F-FE27-422E-A731-BCE11BE7D921}"/>
+              </a:ext>
+            </a:extLst>
+          </p:cNvPr>
+          <p:cNvSpPr>
+            <a:spLocks noGrp="1"/>
+          </p:cNvSpPr>
+          <p:nvPr>
+            <p:ph idx="1"/>
+          </p:nvPr>
+        </p:nvSpPr>
+        <p:spPr>
+          <a:xfrm>
+            <a:off x="0" y="1683026"/>
+            <a:ext cx="12192000" cy="5174975"/>
+          </a:xfrm>
+          <a:solidFill>
+            <a:srgbClr val="FCCA46"/>
+          </a:solidFill>
+        </p:spPr>
+        <p:txBody>
+          <a:bodyPr>
+            <a:normAutofit/>
+          </a:bodyPr>
+          <a:lstStyle/>
+          <a:p>
+            <a:endParaRPr lang="fr-FR" dirty="0">
+              <a:solidFill>
+                <a:srgbClr val="569C87"/>
+              </a:solidFill>
+            </a:endParaRPr>
+          </a:p>
           <a:p>
             <a:pPr lvl="1"/>
             <a:r>
@@ -6803,7 +7722,23 @@
                   <a:srgbClr val="569C87"/>
                 </a:solidFill>
               </a:rPr>
-              <a:t> Site compatible avec version desktop de Chrome, Firefox et Safari</a:t>
+              <a:t> Partie CSS : utilisation de </a:t>
+            </a:r>
+            <a:r>
+              <a:rPr lang="fr-FR" sz="2800" dirty="0" err="1">
+                <a:solidFill>
+                  <a:srgbClr val="569C87"/>
+                </a:solidFill>
+              </a:rPr>
+              <a:t>Sass</a:t>
+            </a:r>
+            <a:r>
+              <a:rPr lang="fr-FR" sz="2800" dirty="0">
+                <a:solidFill>
+                  <a:srgbClr val="569C87"/>
+                </a:solidFill>
+              </a:rPr>
+              <a:t> pour simplification</a:t>
             </a:r>
           </a:p>
           <a:p>
@@ -6815,15 +7750,136 @@
             </a:endParaRPr>
           </a:p>
           <a:p>
+            <a:pPr lvl="2"/>
+            <a:r>
+              <a:rPr lang="fr-FR" sz="2600" dirty="0">
+                <a:solidFill>
+                  <a:srgbClr val="569C87"/>
+                </a:solidFill>
+              </a:rPr>
+              <a:t> Avoir une indentation comme en HTML</a:t>
+            </a:r>
+          </a:p>
+          <a:p>
             <a:pPr lvl="1"/>
-            <a:r>
-              <a:rPr lang="fr-FR" sz="2800" dirty="0">
+            <a:endParaRPr lang="fr-FR" sz="2600" dirty="0">
+              <a:solidFill>
+                <a:srgbClr val="569C87"/>
+              </a:solidFill>
+            </a:endParaRPr>
+          </a:p>
+          <a:p>
+            <a:pPr lvl="2"/>
+            <a:r>
+              <a:rPr lang="fr-FR" sz="2600" dirty="0">
                 <a:solidFill>
                   <a:srgbClr val="569C87"/>
                 </a:solidFill>
               </a:rPr>
-              <a:t> Tout le développement a été fait en CSS3</a:t>
-            </a:r>
+              <a:t> Utilisation de variables $</a:t>
+            </a:r>
+            <a:r>
+              <a:rPr lang="fr-FR" sz="2600" dirty="0" err="1">
+                <a:solidFill>
+                  <a:srgbClr val="569C87"/>
+                </a:solidFill>
+              </a:rPr>
+              <a:t>color</a:t>
+            </a:r>
+            <a:r>
+              <a:rPr lang="fr-FR" sz="2600" dirty="0">
+                <a:solidFill>
+                  <a:srgbClr val="569C87"/>
+                </a:solidFill>
+              </a:rPr>
+              <a:t> : #3D5423 par </a:t>
+            </a:r>
+            <a:r>
+              <a:rPr lang="fr-FR" sz="2600" dirty="0">
+                <a:solidFill>
+                  <a:srgbClr val="569C87"/>
+                </a:solidFill>
+                <a:hlinkClick r:id="rId2" action="ppaction://hlinkfile"/>
+              </a:rPr>
+              <a:t>exemple</a:t>
+            </a:r>
+            <a:endParaRPr lang="fr-FR" sz="2600" dirty="0">
+              <a:solidFill>
+                <a:srgbClr val="569C87"/>
+              </a:solidFill>
+            </a:endParaRPr>
+          </a:p>
+          <a:p>
+            <a:pPr lvl="2"/>
+            <a:endParaRPr lang="fr-FR" sz="2600" dirty="0">
+              <a:solidFill>
+                <a:srgbClr val="569C87"/>
+              </a:solidFill>
+            </a:endParaRPr>
+          </a:p>
+          <a:p>
+            <a:pPr lvl="2"/>
+            <a:r>
+              <a:rPr lang="fr-FR" sz="2600" dirty="0">
+                <a:solidFill>
+                  <a:srgbClr val="569C87"/>
+                </a:solidFill>
+              </a:rPr>
+              <a:t> Utilisation de </a:t>
+            </a:r>
+            <a:r>
+              <a:rPr lang="fr-FR" sz="2600" dirty="0" err="1">
+                <a:solidFill>
+                  <a:srgbClr val="569C87"/>
+                </a:solidFill>
+              </a:rPr>
+              <a:t>mixins</a:t>
+            </a:r>
+            <a:r>
+              <a:rPr lang="fr-FR" sz="2600" dirty="0">
+                <a:solidFill>
+                  <a:srgbClr val="569C87"/>
+                </a:solidFill>
+              </a:rPr>
+              <a:t> pour un ensemble de règles récurrentes</a:t>
+            </a:r>
+          </a:p>
+          <a:p>
+            <a:pPr lvl="2"/>
+            <a:endParaRPr lang="fr-FR" sz="2600" dirty="0">
+              <a:solidFill>
+                <a:srgbClr val="569C87"/>
+              </a:solidFill>
+            </a:endParaRPr>
+          </a:p>
+          <a:p>
+            <a:pPr lvl="2"/>
+            <a:r>
+              <a:rPr lang="fr-FR" sz="2600" dirty="0">
+                <a:solidFill>
+                  <a:srgbClr val="569C87"/>
+                </a:solidFill>
+              </a:rPr>
+              <a:t> Utilisation de l’esperluette pour un combinateur</a:t>
+            </a:r>
+          </a:p>
+          <a:p>
+            <a:pPr lvl="2"/>
+            <a:endParaRPr lang="fr-FR" sz="2600" dirty="0">
+              <a:solidFill>
+                <a:srgbClr val="569C87"/>
+              </a:solidFill>
+            </a:endParaRPr>
+          </a:p>
+          <a:p>
+            <a:pPr marL="457200" lvl="1" indent="0">
+              <a:buNone/>
+            </a:pPr>
+            <a:endParaRPr lang="fr-FR" sz="2800" dirty="0">
+              <a:solidFill>
+                <a:srgbClr val="569C87"/>
+              </a:solidFill>
+            </a:endParaRPr>
           </a:p>
           <a:p>
             <a:pPr lvl="1"/>
@@ -6838,7 +7894,1188 @@
     </p:spTree>
     <p:extLst>
       <p:ext uri="{BB962C8B-B14F-4D97-AF65-F5344CB8AC3E}">
-        <p14:creationId xmlns:p14="http://schemas.microsoft.com/office/powerpoint/2010/main" val="2022863672"/>
+        <p14:creationId xmlns:p14="http://schemas.microsoft.com/office/powerpoint/2010/main" val="1274598320"/>
+      </p:ext>
+    </p:extLst>
+  </p:cSld>
+  <p:clrMapOvr>
+    <a:masterClrMapping/>
+  </p:clrMapOvr>
+</p:sld>
+</file>
+
+<file path=ppt/slides/slide7.xml><?xml version="1.0" encoding="utf-8"?>
+<p:sld xmlns:a="http://schemas.openxmlformats.org/drawingml/2006/main" xmlns:r="http://schemas.openxmlformats.org/officeDocument/2006/relationships" xmlns:p="http://schemas.openxmlformats.org/presentationml/2006/main">
+  <p:cSld>
+    <p:spTree>
+      <p:nvGrpSpPr>
+        <p:cNvPr id="1" name=""/>
+        <p:cNvGrpSpPr/>
+        <p:nvPr/>
+      </p:nvGrpSpPr>
+      <p:grpSpPr>
+        <a:xfrm>
+          <a:off x="0" y="0"/>
+          <a:ext cx="0" cy="0"/>
+          <a:chOff x="0" y="0"/>
+          <a:chExt cx="0" cy="0"/>
+        </a:xfrm>
+      </p:grpSpPr>
+      <p:sp>
+        <p:nvSpPr>
+          <p:cNvPr id="2" name="Titre 1">
+            <a:extLst>
+              <a:ext uri="{FF2B5EF4-FFF2-40B4-BE49-F238E27FC236}">
+                <a16:creationId xmlns:a16="http://schemas.microsoft.com/office/drawing/2014/main" id="{1BFBBD04-D7A6-4E78-A4DA-41A4F66379D6}"/>
+              </a:ext>
+            </a:extLst>
+          </p:cNvPr>
+          <p:cNvSpPr>
+            <a:spLocks noGrp="1"/>
+          </p:cNvSpPr>
+          <p:nvPr>
+            <p:ph type="title"/>
+          </p:nvPr>
+        </p:nvSpPr>
+        <p:spPr>
+          <a:xfrm>
+            <a:off x="0" y="1"/>
+            <a:ext cx="12192000" cy="1683025"/>
+          </a:xfrm>
+          <a:solidFill>
+            <a:srgbClr val="569C87"/>
+          </a:solidFill>
+        </p:spPr>
+        <p:txBody>
+          <a:bodyPr/>
+          <a:lstStyle/>
+          <a:p>
+            <a:br>
+              <a:rPr lang="fr-FR" dirty="0"/>
+            </a:br>
+            <a:r>
+              <a:rPr lang="fr-FR" dirty="0">
+                <a:solidFill>
+                  <a:srgbClr val="FCCA46"/>
+                </a:solidFill>
+              </a:rPr>
+              <a:t>		Développement su site, ma méthode et mes choix</a:t>
+            </a:r>
+            <a:endParaRPr lang="fr-FR" dirty="0"/>
+          </a:p>
+        </p:txBody>
+      </p:sp>
+      <p:sp>
+        <p:nvSpPr>
+          <p:cNvPr id="3" name="Espace réservé du contenu 2">
+            <a:extLst>
+              <a:ext uri="{FF2B5EF4-FFF2-40B4-BE49-F238E27FC236}">
+                <a16:creationId xmlns:a16="http://schemas.microsoft.com/office/drawing/2014/main" id="{8BF82F1F-FE27-422E-A731-BCE11BE7D921}"/>
+              </a:ext>
+            </a:extLst>
+          </p:cNvPr>
+          <p:cNvSpPr>
+            <a:spLocks noGrp="1"/>
+          </p:cNvSpPr>
+          <p:nvPr>
+            <p:ph idx="1"/>
+          </p:nvPr>
+        </p:nvSpPr>
+        <p:spPr>
+          <a:xfrm>
+            <a:off x="0" y="1683026"/>
+            <a:ext cx="12192000" cy="5174975"/>
+          </a:xfrm>
+          <a:solidFill>
+            <a:srgbClr val="FCCA46"/>
+          </a:solidFill>
+        </p:spPr>
+        <p:txBody>
+          <a:bodyPr>
+            <a:normAutofit/>
+          </a:bodyPr>
+          <a:lstStyle/>
+          <a:p>
+            <a:pPr lvl="1"/>
+            <a:r>
+              <a:rPr lang="fr-FR" sz="2800" dirty="0">
+                <a:solidFill>
+                  <a:srgbClr val="569C87"/>
+                </a:solidFill>
+              </a:rPr>
+              <a:t> Partie CSS : animation des points de suspension du bouton « Prochainement »</a:t>
+            </a:r>
+          </a:p>
+          <a:p>
+            <a:pPr lvl="2"/>
+            <a:r>
+              <a:rPr lang="fr-FR" sz="2600" dirty="0">
+                <a:solidFill>
+                  <a:srgbClr val="569C87"/>
+                </a:solidFill>
+              </a:rPr>
+              <a:t> Propriété sur nos points : </a:t>
+            </a:r>
+            <a:r>
+              <a:rPr lang="en-US" sz="2800" dirty="0">
+                <a:solidFill>
+                  <a:srgbClr val="FF0000"/>
+                </a:solidFill>
+                <a:latin typeface="Consolas" panose="020B0609020204030204" pitchFamily="49" charset="0"/>
+              </a:rPr>
+              <a:t>animation</a:t>
+            </a:r>
+          </a:p>
+          <a:p>
+            <a:pPr lvl="3"/>
+            <a:r>
+              <a:rPr lang="en-US" sz="2400" dirty="0">
+                <a:solidFill>
+                  <a:srgbClr val="FF0000"/>
+                </a:solidFill>
+                <a:latin typeface="Consolas" panose="020B0609020204030204" pitchFamily="49" charset="0"/>
+              </a:rPr>
+              <a:t> </a:t>
+            </a:r>
+            <a:r>
+              <a:rPr lang="en-US" sz="2400" dirty="0">
+                <a:solidFill>
+                  <a:srgbClr val="569C87"/>
+                </a:solidFill>
+                <a:latin typeface="Consolas" panose="020B0609020204030204" pitchFamily="49" charset="0"/>
+              </a:rPr>
+              <a:t>avec les </a:t>
+            </a:r>
+            <a:r>
+              <a:rPr lang="fr-FR" sz="2400" dirty="0">
+                <a:solidFill>
+                  <a:srgbClr val="569C87"/>
+                </a:solidFill>
+                <a:latin typeface="Consolas" panose="020B0609020204030204" pitchFamily="49" charset="0"/>
+              </a:rPr>
+              <a:t>caractéristiques</a:t>
+            </a:r>
+            <a:r>
+              <a:rPr lang="en-US" sz="2400" dirty="0">
+                <a:solidFill>
+                  <a:srgbClr val="569C87"/>
+                </a:solidFill>
+                <a:latin typeface="Consolas" panose="020B0609020204030204" pitchFamily="49" charset="0"/>
+              </a:rPr>
+              <a:t> suivantes: </a:t>
+            </a:r>
+            <a:r>
+              <a:rPr lang="en-US" sz="2000" dirty="0">
+                <a:solidFill>
+                  <a:srgbClr val="000000"/>
+                </a:solidFill>
+                <a:latin typeface="Consolas" panose="020B0609020204030204" pitchFamily="49" charset="0"/>
+              </a:rPr>
+              <a:t>pulse </a:t>
+            </a:r>
+            <a:r>
+              <a:rPr lang="en-US" sz="2000" dirty="0">
+                <a:solidFill>
+                  <a:srgbClr val="098658"/>
+                </a:solidFill>
+                <a:latin typeface="Consolas" panose="020B0609020204030204" pitchFamily="49" charset="0"/>
+              </a:rPr>
+              <a:t>3s</a:t>
+            </a:r>
+            <a:r>
+              <a:rPr lang="en-US" sz="2000" dirty="0">
+                <a:solidFill>
+                  <a:srgbClr val="000000"/>
+                </a:solidFill>
+                <a:latin typeface="Consolas" panose="020B0609020204030204" pitchFamily="49" charset="0"/>
+              </a:rPr>
+              <a:t> </a:t>
+            </a:r>
+            <a:r>
+              <a:rPr lang="en-US" sz="2000" dirty="0">
+                <a:solidFill>
+                  <a:srgbClr val="0451A5"/>
+                </a:solidFill>
+                <a:latin typeface="Consolas" panose="020B0609020204030204" pitchFamily="49" charset="0"/>
+              </a:rPr>
+              <a:t>linear</a:t>
+            </a:r>
+            <a:r>
+              <a:rPr lang="en-US" sz="2000" dirty="0">
+                <a:solidFill>
+                  <a:srgbClr val="000000"/>
+                </a:solidFill>
+                <a:latin typeface="Consolas" panose="020B0609020204030204" pitchFamily="49" charset="0"/>
+              </a:rPr>
+              <a:t> </a:t>
+            </a:r>
+            <a:r>
+              <a:rPr lang="en-US" sz="2000" dirty="0">
+                <a:solidFill>
+                  <a:srgbClr val="0451A5"/>
+                </a:solidFill>
+                <a:latin typeface="Consolas" panose="020B0609020204030204" pitchFamily="49" charset="0"/>
+              </a:rPr>
+              <a:t>infinite</a:t>
+            </a:r>
+          </a:p>
+          <a:p>
+            <a:pPr lvl="3"/>
+            <a:r>
+              <a:rPr lang="en-US" sz="2000" dirty="0">
+                <a:solidFill>
+                  <a:srgbClr val="0451A5"/>
+                </a:solidFill>
+                <a:latin typeface="Consolas" panose="020B0609020204030204" pitchFamily="49" charset="0"/>
+              </a:rPr>
+              <a:t> </a:t>
+            </a:r>
+            <a:r>
+              <a:rPr lang="en-US" sz="2400" dirty="0">
+                <a:solidFill>
+                  <a:srgbClr val="569C87"/>
+                </a:solidFill>
+                <a:latin typeface="Consolas" panose="020B0609020204030204" pitchFamily="49" charset="0"/>
+              </a:rPr>
+              <a:t>rajout d’un délai pour les points 2 et 3</a:t>
+            </a:r>
+          </a:p>
+          <a:p>
+            <a:pPr lvl="3"/>
+            <a:endParaRPr lang="en-US" sz="2400" dirty="0">
+              <a:solidFill>
+                <a:srgbClr val="569C87"/>
+              </a:solidFill>
+              <a:latin typeface="Consolas" panose="020B0609020204030204" pitchFamily="49" charset="0"/>
+            </a:endParaRPr>
+          </a:p>
+          <a:p>
+            <a:pPr lvl="2"/>
+            <a:r>
+              <a:rPr lang="en-US" sz="2600" dirty="0">
+                <a:solidFill>
+                  <a:srgbClr val="569C87"/>
+                </a:solidFill>
+                <a:latin typeface="Consolas" panose="020B0609020204030204" pitchFamily="49" charset="0"/>
+              </a:rPr>
+              <a:t> </a:t>
+            </a:r>
+            <a:r>
+              <a:rPr lang="fr-FR" sz="2600" dirty="0">
+                <a:solidFill>
+                  <a:srgbClr val="569C87"/>
+                </a:solidFill>
+                <a:latin typeface="Consolas" panose="020B0609020204030204" pitchFamily="49" charset="0"/>
+              </a:rPr>
+              <a:t>Définir une règle </a:t>
+            </a:r>
+            <a:r>
+              <a:rPr lang="en-US" sz="2600" dirty="0">
+                <a:solidFill>
+                  <a:srgbClr val="569C87"/>
+                </a:solidFill>
+                <a:latin typeface="Consolas" panose="020B0609020204030204" pitchFamily="49" charset="0"/>
+              </a:rPr>
+              <a:t>de CSS de Keyframes</a:t>
+            </a:r>
+          </a:p>
+          <a:p>
+            <a:pPr lvl="3"/>
+            <a:r>
+              <a:rPr lang="en-US" sz="2400" dirty="0">
+                <a:solidFill>
+                  <a:srgbClr val="569C87"/>
+                </a:solidFill>
+                <a:latin typeface="Consolas" panose="020B0609020204030204" pitchFamily="49" charset="0"/>
+              </a:rPr>
+              <a:t> pour que les points apparaissent/</a:t>
+            </a:r>
+            <a:r>
+              <a:rPr lang="fr-FR" sz="2400" dirty="0">
+                <a:solidFill>
+                  <a:srgbClr val="569C87"/>
+                </a:solidFill>
+                <a:latin typeface="Consolas" panose="020B0609020204030204" pitchFamily="49" charset="0"/>
+              </a:rPr>
+              <a:t>disparaissent</a:t>
+            </a:r>
+            <a:r>
+              <a:rPr lang="en-US" sz="2400" dirty="0">
+                <a:solidFill>
+                  <a:srgbClr val="569C87"/>
+                </a:solidFill>
+                <a:latin typeface="Consolas" panose="020B0609020204030204" pitchFamily="49" charset="0"/>
+              </a:rPr>
+              <a:t>, </a:t>
+            </a:r>
+            <a:r>
+              <a:rPr lang="fr-FR" sz="2400" dirty="0">
+                <a:solidFill>
+                  <a:srgbClr val="569C87"/>
+                </a:solidFill>
+                <a:latin typeface="Consolas" panose="020B0609020204030204" pitchFamily="49" charset="0"/>
+              </a:rPr>
+              <a:t>une opacité progressive de ces derniers </a:t>
+            </a:r>
+            <a:r>
+              <a:rPr lang="en-US" sz="2400" dirty="0">
+                <a:solidFill>
+                  <a:srgbClr val="569C87"/>
+                </a:solidFill>
+                <a:latin typeface="Consolas" panose="020B0609020204030204" pitchFamily="49" charset="0"/>
+              </a:rPr>
+              <a:t>de transparent à opaque</a:t>
+            </a:r>
+          </a:p>
+          <a:p>
+            <a:pPr marL="457200" lvl="1" indent="0">
+              <a:buNone/>
+            </a:pPr>
+            <a:endParaRPr lang="fr-FR" sz="2800" dirty="0">
+              <a:solidFill>
+                <a:srgbClr val="569C87"/>
+              </a:solidFill>
+            </a:endParaRPr>
+          </a:p>
+          <a:p>
+            <a:pPr lvl="1"/>
+            <a:endParaRPr lang="fr-FR" sz="2800" dirty="0">
+              <a:solidFill>
+                <a:srgbClr val="569C87"/>
+              </a:solidFill>
+            </a:endParaRPr>
+          </a:p>
+        </p:txBody>
+      </p:sp>
+    </p:spTree>
+    <p:extLst>
+      <p:ext uri="{BB962C8B-B14F-4D97-AF65-F5344CB8AC3E}">
+        <p14:creationId xmlns:p14="http://schemas.microsoft.com/office/powerpoint/2010/main" val="968271708"/>
+      </p:ext>
+    </p:extLst>
+  </p:cSld>
+  <p:clrMapOvr>
+    <a:masterClrMapping/>
+  </p:clrMapOvr>
+</p:sld>
+</file>
+
+<file path=ppt/slides/slide8.xml><?xml version="1.0" encoding="utf-8"?>
+<p:sld xmlns:a="http://schemas.openxmlformats.org/drawingml/2006/main" xmlns:r="http://schemas.openxmlformats.org/officeDocument/2006/relationships" xmlns:p="http://schemas.openxmlformats.org/presentationml/2006/main">
+  <p:cSld>
+    <p:spTree>
+      <p:nvGrpSpPr>
+        <p:cNvPr id="1" name=""/>
+        <p:cNvGrpSpPr/>
+        <p:nvPr/>
+      </p:nvGrpSpPr>
+      <p:grpSpPr>
+        <a:xfrm>
+          <a:off x="0" y="0"/>
+          <a:ext cx="0" cy="0"/>
+          <a:chOff x="0" y="0"/>
+          <a:chExt cx="0" cy="0"/>
+        </a:xfrm>
+      </p:grpSpPr>
+      <p:sp>
+        <p:nvSpPr>
+          <p:cNvPr id="2" name="Titre 1">
+            <a:extLst>
+              <a:ext uri="{FF2B5EF4-FFF2-40B4-BE49-F238E27FC236}">
+                <a16:creationId xmlns:a16="http://schemas.microsoft.com/office/drawing/2014/main" id="{1BFBBD04-D7A6-4E78-A4DA-41A4F66379D6}"/>
+              </a:ext>
+            </a:extLst>
+          </p:cNvPr>
+          <p:cNvSpPr>
+            <a:spLocks noGrp="1"/>
+          </p:cNvSpPr>
+          <p:nvPr>
+            <p:ph type="title"/>
+          </p:nvPr>
+        </p:nvSpPr>
+        <p:spPr>
+          <a:xfrm>
+            <a:off x="0" y="1"/>
+            <a:ext cx="12192000" cy="1683025"/>
+          </a:xfrm>
+          <a:solidFill>
+            <a:srgbClr val="569C87"/>
+          </a:solidFill>
+        </p:spPr>
+        <p:txBody>
+          <a:bodyPr/>
+          <a:lstStyle/>
+          <a:p>
+            <a:br>
+              <a:rPr lang="fr-FR" dirty="0"/>
+            </a:br>
+            <a:r>
+              <a:rPr lang="fr-FR" dirty="0">
+                <a:solidFill>
+                  <a:srgbClr val="FCCA46"/>
+                </a:solidFill>
+              </a:rPr>
+              <a:t>		Développement su site, ma méthode et mes choix</a:t>
+            </a:r>
+            <a:endParaRPr lang="fr-FR" dirty="0"/>
+          </a:p>
+        </p:txBody>
+      </p:sp>
+      <p:sp>
+        <p:nvSpPr>
+          <p:cNvPr id="3" name="Espace réservé du contenu 2">
+            <a:extLst>
+              <a:ext uri="{FF2B5EF4-FFF2-40B4-BE49-F238E27FC236}">
+                <a16:creationId xmlns:a16="http://schemas.microsoft.com/office/drawing/2014/main" id="{8BF82F1F-FE27-422E-A731-BCE11BE7D921}"/>
+              </a:ext>
+            </a:extLst>
+          </p:cNvPr>
+          <p:cNvSpPr>
+            <a:spLocks noGrp="1"/>
+          </p:cNvSpPr>
+          <p:nvPr>
+            <p:ph idx="1"/>
+          </p:nvPr>
+        </p:nvSpPr>
+        <p:spPr>
+          <a:xfrm>
+            <a:off x="0" y="1683026"/>
+            <a:ext cx="12192000" cy="5174975"/>
+          </a:xfrm>
+          <a:solidFill>
+            <a:srgbClr val="FCCA46"/>
+          </a:solidFill>
+        </p:spPr>
+        <p:txBody>
+          <a:bodyPr>
+            <a:normAutofit/>
+          </a:bodyPr>
+          <a:lstStyle/>
+          <a:p>
+            <a:pPr lvl="1"/>
+            <a:r>
+              <a:rPr lang="fr-FR" sz="3900" dirty="0">
+                <a:solidFill>
+                  <a:srgbClr val="569C87"/>
+                </a:solidFill>
+              </a:rPr>
+              <a:t> Partie CSS : zooms sur les différents menus</a:t>
+            </a:r>
+          </a:p>
+          <a:p>
+            <a:pPr lvl="2"/>
+            <a:r>
+              <a:rPr lang="fr-FR" sz="3000" dirty="0">
+                <a:solidFill>
+                  <a:srgbClr val="569C87"/>
+                </a:solidFill>
+              </a:rPr>
+              <a:t> Propriétés sur nos zooms : </a:t>
+            </a:r>
+          </a:p>
+          <a:p>
+            <a:pPr lvl="3"/>
+            <a:r>
+              <a:rPr lang="en-US" sz="2200" dirty="0">
+                <a:solidFill>
+                  <a:srgbClr val="FF0000"/>
+                </a:solidFill>
+                <a:latin typeface="Consolas" panose="020B0609020204030204" pitchFamily="49" charset="0"/>
+              </a:rPr>
+              <a:t>transform</a:t>
+            </a:r>
+            <a:r>
+              <a:rPr lang="en-US" sz="2200" dirty="0">
+                <a:solidFill>
+                  <a:srgbClr val="000000"/>
+                </a:solidFill>
+                <a:latin typeface="Consolas" panose="020B0609020204030204" pitchFamily="49" charset="0"/>
+              </a:rPr>
+              <a:t>: scale(</a:t>
+            </a:r>
+            <a:r>
+              <a:rPr lang="en-US" sz="2200" dirty="0">
+                <a:solidFill>
+                  <a:srgbClr val="098658"/>
+                </a:solidFill>
+                <a:latin typeface="Consolas" panose="020B0609020204030204" pitchFamily="49" charset="0"/>
+              </a:rPr>
+              <a:t>1</a:t>
+            </a:r>
+            <a:r>
+              <a:rPr lang="en-US" sz="2200" dirty="0">
+                <a:solidFill>
+                  <a:srgbClr val="000000"/>
+                </a:solidFill>
+                <a:latin typeface="Consolas" panose="020B0609020204030204" pitchFamily="49" charset="0"/>
+              </a:rPr>
+              <a:t>);</a:t>
+            </a:r>
+          </a:p>
+          <a:p>
+            <a:pPr lvl="3"/>
+            <a:r>
+              <a:rPr lang="en-US" sz="2200" dirty="0">
+                <a:solidFill>
+                  <a:srgbClr val="FF0000"/>
+                </a:solidFill>
+                <a:latin typeface="Consolas" panose="020B0609020204030204" pitchFamily="49" charset="0"/>
+              </a:rPr>
+              <a:t>transition</a:t>
+            </a:r>
+            <a:r>
+              <a:rPr lang="en-US" sz="2200" dirty="0">
+                <a:solidFill>
+                  <a:srgbClr val="000000"/>
+                </a:solidFill>
+                <a:latin typeface="Consolas" panose="020B0609020204030204" pitchFamily="49" charset="0"/>
+              </a:rPr>
+              <a:t>: </a:t>
+            </a:r>
+            <a:r>
+              <a:rPr lang="en-US" sz="2200" dirty="0">
+                <a:solidFill>
+                  <a:srgbClr val="098658"/>
+                </a:solidFill>
+                <a:latin typeface="Consolas" panose="020B0609020204030204" pitchFamily="49" charset="0"/>
+              </a:rPr>
+              <a:t>0.3s</a:t>
+            </a:r>
+            <a:r>
+              <a:rPr lang="en-US" sz="2200" dirty="0">
+                <a:solidFill>
+                  <a:srgbClr val="000000"/>
+                </a:solidFill>
+                <a:latin typeface="Consolas" panose="020B0609020204030204" pitchFamily="49" charset="0"/>
+              </a:rPr>
+              <a:t> </a:t>
+            </a:r>
+            <a:r>
+              <a:rPr lang="en-US" sz="2200" dirty="0">
+                <a:solidFill>
+                  <a:srgbClr val="0451A5"/>
+                </a:solidFill>
+                <a:latin typeface="Consolas" panose="020B0609020204030204" pitchFamily="49" charset="0"/>
+              </a:rPr>
+              <a:t>ease-in-out</a:t>
+            </a:r>
+            <a:r>
+              <a:rPr lang="en-US" sz="2200" dirty="0">
+                <a:solidFill>
+                  <a:srgbClr val="000000"/>
+                </a:solidFill>
+                <a:latin typeface="Consolas" panose="020B0609020204030204" pitchFamily="49" charset="0"/>
+              </a:rPr>
+              <a:t>;</a:t>
+            </a:r>
+          </a:p>
+          <a:p>
+            <a:pPr lvl="3"/>
+            <a:r>
+              <a:rPr lang="en-US" sz="2200" dirty="0">
+                <a:solidFill>
+                  <a:srgbClr val="FF0000"/>
+                </a:solidFill>
+                <a:latin typeface="Consolas" panose="020B0609020204030204" pitchFamily="49" charset="0"/>
+              </a:rPr>
+              <a:t>opacity</a:t>
+            </a:r>
+            <a:r>
+              <a:rPr lang="en-US" sz="2200" dirty="0">
+                <a:solidFill>
+                  <a:srgbClr val="000000"/>
+                </a:solidFill>
+                <a:latin typeface="Consolas" panose="020B0609020204030204" pitchFamily="49" charset="0"/>
+              </a:rPr>
+              <a:t>: </a:t>
+            </a:r>
+            <a:r>
+              <a:rPr lang="en-US" sz="2200" dirty="0">
+                <a:solidFill>
+                  <a:srgbClr val="098658"/>
+                </a:solidFill>
+                <a:latin typeface="Consolas" panose="020B0609020204030204" pitchFamily="49" charset="0"/>
+              </a:rPr>
+              <a:t>1</a:t>
+            </a:r>
+            <a:r>
+              <a:rPr lang="en-US" sz="2200" dirty="0">
+                <a:solidFill>
+                  <a:srgbClr val="000000"/>
+                </a:solidFill>
+                <a:latin typeface="Consolas" panose="020B0609020204030204" pitchFamily="49" charset="0"/>
+              </a:rPr>
+              <a:t>;</a:t>
+            </a:r>
+          </a:p>
+          <a:p>
+            <a:pPr lvl="3"/>
+            <a:r>
+              <a:rPr lang="en-US" sz="2200" dirty="0">
+                <a:solidFill>
+                  <a:srgbClr val="000000"/>
+                </a:solidFill>
+                <a:latin typeface="Consolas" panose="020B0609020204030204" pitchFamily="49" charset="0"/>
+              </a:rPr>
+              <a:t>Pseudoclasse :hover</a:t>
+            </a:r>
+          </a:p>
+          <a:p>
+            <a:pPr lvl="3"/>
+            <a:r>
+              <a:rPr lang="en-US" sz="2400" dirty="0">
+                <a:solidFill>
+                  <a:srgbClr val="569C87"/>
+                </a:solidFill>
+                <a:latin typeface="+mj-lt"/>
+              </a:rPr>
+              <a:t> Pour </a:t>
+            </a:r>
+            <a:r>
+              <a:rPr lang="en-US" sz="2400" dirty="0" err="1">
+                <a:solidFill>
+                  <a:srgbClr val="569C87"/>
+                </a:solidFill>
+                <a:latin typeface="+mj-lt"/>
+              </a:rPr>
+              <a:t>avoir</a:t>
+            </a:r>
+            <a:r>
+              <a:rPr lang="en-US" sz="2400" dirty="0">
+                <a:solidFill>
+                  <a:srgbClr val="569C87"/>
+                </a:solidFill>
+                <a:latin typeface="+mj-lt"/>
+              </a:rPr>
+              <a:t> le zoom, </a:t>
+            </a:r>
+            <a:r>
+              <a:rPr lang="en-US" sz="2400" dirty="0" err="1">
+                <a:solidFill>
+                  <a:srgbClr val="569C87"/>
+                </a:solidFill>
+                <a:latin typeface="+mj-lt"/>
+              </a:rPr>
+              <a:t>changement</a:t>
+            </a:r>
+            <a:r>
+              <a:rPr lang="en-US" sz="2400" dirty="0">
+                <a:solidFill>
+                  <a:srgbClr val="569C87"/>
+                </a:solidFill>
+                <a:latin typeface="+mj-lt"/>
+              </a:rPr>
+              <a:t> de la taille de </a:t>
+            </a:r>
+            <a:r>
+              <a:rPr lang="en-US" sz="2400" dirty="0" err="1">
+                <a:solidFill>
+                  <a:srgbClr val="569C87"/>
+                </a:solidFill>
+                <a:latin typeface="+mj-lt"/>
+              </a:rPr>
+              <a:t>l’élèment</a:t>
+            </a:r>
+            <a:r>
+              <a:rPr lang="en-US" sz="2400" dirty="0">
+                <a:solidFill>
+                  <a:srgbClr val="569C87"/>
+                </a:solidFill>
+                <a:latin typeface="+mj-lt"/>
+              </a:rPr>
+              <a:t> avec scale et de </a:t>
+            </a:r>
+            <a:r>
+              <a:rPr lang="en-US" sz="2400" dirty="0" err="1">
+                <a:solidFill>
+                  <a:srgbClr val="569C87"/>
+                </a:solidFill>
+                <a:latin typeface="+mj-lt"/>
+              </a:rPr>
+              <a:t>l’opacité</a:t>
+            </a:r>
+            <a:r>
+              <a:rPr lang="en-US" sz="2400" dirty="0">
+                <a:solidFill>
+                  <a:srgbClr val="569C87"/>
+                </a:solidFill>
+                <a:latin typeface="+mj-lt"/>
+              </a:rPr>
+              <a:t> </a:t>
+            </a:r>
+            <a:endParaRPr lang="en-US" sz="2800" dirty="0">
+              <a:solidFill>
+                <a:srgbClr val="569C87"/>
+              </a:solidFill>
+              <a:latin typeface="+mj-lt"/>
+            </a:endParaRPr>
+          </a:p>
+          <a:p>
+            <a:pPr marL="457200" lvl="1" indent="0">
+              <a:buNone/>
+            </a:pPr>
+            <a:endParaRPr lang="fr-FR" sz="2800" dirty="0">
+              <a:solidFill>
+                <a:srgbClr val="569C87"/>
+              </a:solidFill>
+            </a:endParaRPr>
+          </a:p>
+          <a:p>
+            <a:pPr lvl="1"/>
+            <a:endParaRPr lang="fr-FR" sz="2800" dirty="0">
+              <a:solidFill>
+                <a:srgbClr val="569C87"/>
+              </a:solidFill>
+            </a:endParaRPr>
+          </a:p>
+        </p:txBody>
+      </p:sp>
+    </p:spTree>
+    <p:extLst>
+      <p:ext uri="{BB962C8B-B14F-4D97-AF65-F5344CB8AC3E}">
+        <p14:creationId xmlns:p14="http://schemas.microsoft.com/office/powerpoint/2010/main" val="3448823404"/>
+      </p:ext>
+    </p:extLst>
+  </p:cSld>
+  <p:clrMapOvr>
+    <a:masterClrMapping/>
+  </p:clrMapOvr>
+</p:sld>
+</file>
+
+<file path=ppt/slides/slide9.xml><?xml version="1.0" encoding="utf-8"?>
+<p:sld xmlns:a="http://schemas.openxmlformats.org/drawingml/2006/main" xmlns:r="http://schemas.openxmlformats.org/officeDocument/2006/relationships" xmlns:p="http://schemas.openxmlformats.org/presentationml/2006/main">
+  <p:cSld>
+    <p:spTree>
+      <p:nvGrpSpPr>
+        <p:cNvPr id="1" name=""/>
+        <p:cNvGrpSpPr/>
+        <p:nvPr/>
+      </p:nvGrpSpPr>
+      <p:grpSpPr>
+        <a:xfrm>
+          <a:off x="0" y="0"/>
+          <a:ext cx="0" cy="0"/>
+          <a:chOff x="0" y="0"/>
+          <a:chExt cx="0" cy="0"/>
+        </a:xfrm>
+      </p:grpSpPr>
+      <p:sp>
+        <p:nvSpPr>
+          <p:cNvPr id="2" name="Titre 1">
+            <a:extLst>
+              <a:ext uri="{FF2B5EF4-FFF2-40B4-BE49-F238E27FC236}">
+                <a16:creationId xmlns:a16="http://schemas.microsoft.com/office/drawing/2014/main" id="{1BFBBD04-D7A6-4E78-A4DA-41A4F66379D6}"/>
+              </a:ext>
+            </a:extLst>
+          </p:cNvPr>
+          <p:cNvSpPr>
+            <a:spLocks noGrp="1"/>
+          </p:cNvSpPr>
+          <p:nvPr>
+            <p:ph type="title"/>
+          </p:nvPr>
+        </p:nvSpPr>
+        <p:spPr>
+          <a:xfrm>
+            <a:off x="0" y="1"/>
+            <a:ext cx="12192000" cy="1683025"/>
+          </a:xfrm>
+          <a:solidFill>
+            <a:srgbClr val="569C87"/>
+          </a:solidFill>
+        </p:spPr>
+        <p:txBody>
+          <a:bodyPr/>
+          <a:lstStyle/>
+          <a:p>
+            <a:br>
+              <a:rPr lang="fr-FR" dirty="0"/>
+            </a:br>
+            <a:r>
+              <a:rPr lang="fr-FR" dirty="0">
+                <a:solidFill>
+                  <a:srgbClr val="FCCA46"/>
+                </a:solidFill>
+              </a:rPr>
+              <a:t>		Développement su site, ma méthode et mes choix</a:t>
+            </a:r>
+            <a:endParaRPr lang="fr-FR" dirty="0"/>
+          </a:p>
+        </p:txBody>
+      </p:sp>
+      <p:sp>
+        <p:nvSpPr>
+          <p:cNvPr id="3" name="Espace réservé du contenu 2">
+            <a:extLst>
+              <a:ext uri="{FF2B5EF4-FFF2-40B4-BE49-F238E27FC236}">
+                <a16:creationId xmlns:a16="http://schemas.microsoft.com/office/drawing/2014/main" id="{8BF82F1F-FE27-422E-A731-BCE11BE7D921}"/>
+              </a:ext>
+            </a:extLst>
+          </p:cNvPr>
+          <p:cNvSpPr>
+            <a:spLocks noGrp="1"/>
+          </p:cNvSpPr>
+          <p:nvPr>
+            <p:ph idx="1"/>
+          </p:nvPr>
+        </p:nvSpPr>
+        <p:spPr>
+          <a:xfrm>
+            <a:off x="0" y="1683026"/>
+            <a:ext cx="12192000" cy="5174975"/>
+          </a:xfrm>
+          <a:solidFill>
+            <a:srgbClr val="FCCA46"/>
+          </a:solidFill>
+        </p:spPr>
+        <p:txBody>
+          <a:bodyPr>
+            <a:normAutofit/>
+          </a:bodyPr>
+          <a:lstStyle/>
+          <a:p>
+            <a:pPr lvl="1"/>
+            <a:r>
+              <a:rPr lang="fr-FR" sz="3900" dirty="0">
+                <a:solidFill>
+                  <a:srgbClr val="569C87"/>
+                </a:solidFill>
+              </a:rPr>
+              <a:t> Partie CSS : Secousses des boutons du </a:t>
+            </a:r>
+            <a:r>
+              <a:rPr lang="fr-FR" sz="3900" dirty="0" err="1">
+                <a:solidFill>
+                  <a:srgbClr val="569C87"/>
+                </a:solidFill>
+              </a:rPr>
+              <a:t>footer</a:t>
+            </a:r>
+            <a:endParaRPr lang="fr-FR" sz="3900" dirty="0">
+              <a:solidFill>
+                <a:srgbClr val="569C87"/>
+              </a:solidFill>
+            </a:endParaRPr>
+          </a:p>
+          <a:p>
+            <a:pPr lvl="2"/>
+            <a:r>
+              <a:rPr lang="fr-FR" sz="2800" dirty="0">
+                <a:solidFill>
+                  <a:srgbClr val="569C87"/>
+                </a:solidFill>
+              </a:rPr>
+              <a:t> Propriétés : </a:t>
+            </a:r>
+          </a:p>
+          <a:p>
+            <a:pPr lvl="3"/>
+            <a:r>
+              <a:rPr lang="en-US" sz="2400" dirty="0">
+                <a:solidFill>
+                  <a:srgbClr val="000000"/>
+                </a:solidFill>
+                <a:latin typeface="Consolas" panose="020B0609020204030204" pitchFamily="49" charset="0"/>
+              </a:rPr>
+              <a:t>Pseudoclasse :hover sur </a:t>
+            </a:r>
+            <a:r>
+              <a:rPr lang="en-US" sz="2400" dirty="0" err="1">
+                <a:solidFill>
+                  <a:srgbClr val="000000"/>
+                </a:solidFill>
+                <a:latin typeface="Consolas" panose="020B0609020204030204" pitchFamily="49" charset="0"/>
+              </a:rPr>
+              <a:t>nos</a:t>
+            </a:r>
+            <a:r>
+              <a:rPr lang="en-US" sz="2400" dirty="0">
+                <a:solidFill>
+                  <a:srgbClr val="000000"/>
+                </a:solidFill>
+                <a:latin typeface="Consolas" panose="020B0609020204030204" pitchFamily="49" charset="0"/>
+              </a:rPr>
+              <a:t> boutons </a:t>
+            </a:r>
+            <a:r>
+              <a:rPr lang="fr-FR" sz="1800" dirty="0">
+                <a:solidFill>
+                  <a:srgbClr val="800000"/>
+                </a:solidFill>
+                <a:latin typeface="Consolas" panose="020B0609020204030204" pitchFamily="49" charset="0"/>
+              </a:rPr>
+              <a:t>.</a:t>
+            </a:r>
+            <a:r>
+              <a:rPr lang="fr-FR" sz="1800" dirty="0" err="1">
+                <a:solidFill>
+                  <a:srgbClr val="800000"/>
+                </a:solidFill>
+                <a:latin typeface="Consolas" panose="020B0609020204030204" pitchFamily="49" charset="0"/>
+              </a:rPr>
+              <a:t>mentionsLegales:hover</a:t>
+            </a:r>
+            <a:r>
+              <a:rPr lang="fr-FR" sz="1800" dirty="0">
+                <a:solidFill>
+                  <a:srgbClr val="000000"/>
+                </a:solidFill>
+                <a:latin typeface="Consolas" panose="020B0609020204030204" pitchFamily="49" charset="0"/>
+              </a:rPr>
+              <a:t>, </a:t>
+            </a:r>
+            <a:r>
+              <a:rPr lang="fr-FR" sz="1800" dirty="0">
+                <a:solidFill>
+                  <a:srgbClr val="800000"/>
+                </a:solidFill>
+                <a:latin typeface="Consolas" panose="020B0609020204030204" pitchFamily="49" charset="0"/>
+              </a:rPr>
+              <a:t>.</a:t>
+            </a:r>
+            <a:r>
+              <a:rPr lang="fr-FR" sz="1800" dirty="0" err="1">
+                <a:solidFill>
+                  <a:srgbClr val="800000"/>
+                </a:solidFill>
+                <a:latin typeface="Consolas" panose="020B0609020204030204" pitchFamily="49" charset="0"/>
+              </a:rPr>
+              <a:t>contactezNous:hover</a:t>
+            </a:r>
+            <a:endParaRPr lang="fr-FR" sz="1800" dirty="0">
+              <a:solidFill>
+                <a:srgbClr val="800000"/>
+              </a:solidFill>
+              <a:latin typeface="Consolas" panose="020B0609020204030204" pitchFamily="49" charset="0"/>
+            </a:endParaRPr>
+          </a:p>
+          <a:p>
+            <a:pPr lvl="3"/>
+            <a:endParaRPr lang="en-US" sz="2400" dirty="0">
+              <a:solidFill>
+                <a:srgbClr val="000000"/>
+              </a:solidFill>
+              <a:latin typeface="Consolas" panose="020B0609020204030204" pitchFamily="49" charset="0"/>
+            </a:endParaRPr>
+          </a:p>
+          <a:p>
+            <a:pPr lvl="3"/>
+            <a:r>
+              <a:rPr lang="en-US" sz="2200" dirty="0">
+                <a:solidFill>
+                  <a:srgbClr val="FF0000"/>
+                </a:solidFill>
+                <a:latin typeface="Consolas" panose="020B0609020204030204" pitchFamily="49" charset="0"/>
+              </a:rPr>
+              <a:t>animation</a:t>
+            </a:r>
+            <a:r>
+              <a:rPr lang="en-US" sz="2200" dirty="0">
+                <a:solidFill>
+                  <a:srgbClr val="000000"/>
+                </a:solidFill>
+                <a:latin typeface="Consolas" panose="020B0609020204030204" pitchFamily="49" charset="0"/>
+              </a:rPr>
+              <a:t>: wiggle </a:t>
+            </a:r>
+            <a:r>
+              <a:rPr lang="en-US" sz="2200" dirty="0">
+                <a:solidFill>
+                  <a:srgbClr val="098658"/>
+                </a:solidFill>
+                <a:latin typeface="Consolas" panose="020B0609020204030204" pitchFamily="49" charset="0"/>
+              </a:rPr>
+              <a:t>1s</a:t>
+            </a:r>
+            <a:r>
+              <a:rPr lang="en-US" sz="2200" dirty="0">
+                <a:solidFill>
+                  <a:srgbClr val="000000"/>
+                </a:solidFill>
+                <a:latin typeface="Consolas" panose="020B0609020204030204" pitchFamily="49" charset="0"/>
+              </a:rPr>
+              <a:t>;</a:t>
+            </a:r>
+          </a:p>
+          <a:p>
+            <a:pPr lvl="3"/>
+            <a:r>
+              <a:rPr lang="en-US" sz="2200" dirty="0">
+                <a:solidFill>
+                  <a:srgbClr val="FF0000"/>
+                </a:solidFill>
+                <a:latin typeface="Consolas" panose="020B0609020204030204" pitchFamily="49" charset="0"/>
+              </a:rPr>
+              <a:t>animation-iteration-count: </a:t>
+            </a:r>
+            <a:r>
+              <a:rPr lang="en-US" sz="2200" dirty="0">
+                <a:solidFill>
+                  <a:schemeClr val="tx1">
+                    <a:lumMod val="95000"/>
+                    <a:lumOff val="5000"/>
+                  </a:schemeClr>
+                </a:solidFill>
+                <a:latin typeface="Consolas" panose="020B0609020204030204" pitchFamily="49" charset="0"/>
+              </a:rPr>
+              <a:t>infinite;</a:t>
+            </a:r>
+          </a:p>
+          <a:p>
+            <a:pPr lvl="3"/>
+            <a:endParaRPr lang="en-US" sz="2200" dirty="0">
+              <a:solidFill>
+                <a:schemeClr val="tx1">
+                  <a:lumMod val="95000"/>
+                  <a:lumOff val="5000"/>
+                </a:schemeClr>
+              </a:solidFill>
+              <a:latin typeface="Consolas" panose="020B0609020204030204" pitchFamily="49" charset="0"/>
+            </a:endParaRPr>
+          </a:p>
+          <a:p>
+            <a:pPr lvl="3"/>
+            <a:r>
+              <a:rPr lang="en-US" sz="1800" dirty="0">
+                <a:solidFill>
+                  <a:srgbClr val="569C87"/>
+                </a:solidFill>
+                <a:latin typeface="+mj-lt"/>
+              </a:rPr>
+              <a:t> </a:t>
+            </a:r>
+            <a:r>
+              <a:rPr lang="en-US" sz="2800" dirty="0">
+                <a:solidFill>
+                  <a:srgbClr val="569C87"/>
+                </a:solidFill>
+                <a:latin typeface="+mj-lt"/>
+              </a:rPr>
+              <a:t>Il faut </a:t>
+            </a:r>
+            <a:r>
+              <a:rPr lang="en-US" sz="2800" dirty="0" err="1">
+                <a:solidFill>
+                  <a:srgbClr val="569C87"/>
+                </a:solidFill>
+                <a:latin typeface="+mj-lt"/>
+              </a:rPr>
+              <a:t>rajouter</a:t>
+            </a:r>
+            <a:r>
+              <a:rPr lang="en-US" sz="2800" dirty="0">
+                <a:solidFill>
+                  <a:srgbClr val="569C87"/>
+                </a:solidFill>
+                <a:latin typeface="+mj-lt"/>
+              </a:rPr>
+              <a:t> </a:t>
+            </a:r>
+            <a:r>
+              <a:rPr lang="en-US" sz="2800" dirty="0" err="1">
+                <a:solidFill>
+                  <a:srgbClr val="569C87"/>
+                </a:solidFill>
+                <a:latin typeface="+mj-lt"/>
+              </a:rPr>
+              <a:t>une</a:t>
+            </a:r>
+            <a:r>
+              <a:rPr lang="en-US" sz="2800" dirty="0">
+                <a:solidFill>
+                  <a:srgbClr val="569C87"/>
+                </a:solidFill>
+                <a:latin typeface="+mj-lt"/>
+              </a:rPr>
+              <a:t> @keyframe </a:t>
+            </a:r>
+            <a:r>
+              <a:rPr lang="fr-FR" sz="1800" dirty="0" err="1">
+                <a:solidFill>
+                  <a:srgbClr val="FF0000"/>
+                </a:solidFill>
+                <a:latin typeface="Consolas" panose="020B0609020204030204" pitchFamily="49" charset="0"/>
+              </a:rPr>
+              <a:t>transform</a:t>
+            </a:r>
+            <a:r>
+              <a:rPr lang="fr-FR" sz="1800" dirty="0">
+                <a:solidFill>
+                  <a:srgbClr val="000000"/>
+                </a:solidFill>
+                <a:latin typeface="Consolas" panose="020B0609020204030204" pitchFamily="49" charset="0"/>
+              </a:rPr>
+              <a:t>: </a:t>
+            </a:r>
+            <a:r>
+              <a:rPr lang="fr-FR" sz="1800" dirty="0" err="1">
+                <a:solidFill>
+                  <a:srgbClr val="000000"/>
+                </a:solidFill>
+                <a:latin typeface="Consolas" panose="020B0609020204030204" pitchFamily="49" charset="0"/>
+              </a:rPr>
+              <a:t>rotate</a:t>
+            </a:r>
+            <a:r>
+              <a:rPr lang="fr-FR" sz="1800" dirty="0">
+                <a:solidFill>
+                  <a:srgbClr val="000000"/>
+                </a:solidFill>
+                <a:latin typeface="Consolas" panose="020B0609020204030204" pitchFamily="49" charset="0"/>
+              </a:rPr>
+              <a:t>(</a:t>
+            </a:r>
+            <a:r>
+              <a:rPr lang="fr-FR" sz="1800" dirty="0">
+                <a:solidFill>
+                  <a:srgbClr val="098658"/>
+                </a:solidFill>
+                <a:latin typeface="Consolas" panose="020B0609020204030204" pitchFamily="49" charset="0"/>
+              </a:rPr>
+              <a:t>x </a:t>
+            </a:r>
+            <a:r>
+              <a:rPr lang="fr-FR" sz="1800" dirty="0" err="1">
+                <a:solidFill>
+                  <a:srgbClr val="098658"/>
+                </a:solidFill>
+                <a:latin typeface="Consolas" panose="020B0609020204030204" pitchFamily="49" charset="0"/>
+              </a:rPr>
+              <a:t>deg</a:t>
+            </a:r>
+            <a:r>
+              <a:rPr lang="fr-FR" sz="1800" dirty="0">
+                <a:solidFill>
+                  <a:srgbClr val="000000"/>
+                </a:solidFill>
+                <a:latin typeface="Consolas" panose="020B0609020204030204" pitchFamily="49" charset="0"/>
+              </a:rPr>
+              <a:t>)</a:t>
+            </a:r>
+          </a:p>
+          <a:p>
+            <a:pPr lvl="3"/>
+            <a:endParaRPr lang="fr-FR" sz="2800" dirty="0">
+              <a:solidFill>
+                <a:srgbClr val="569C87"/>
+              </a:solidFill>
+            </a:endParaRPr>
+          </a:p>
+          <a:p>
+            <a:pPr lvl="1"/>
+            <a:endParaRPr lang="fr-FR" sz="2800" dirty="0">
+              <a:solidFill>
+                <a:srgbClr val="569C87"/>
+              </a:solidFill>
+            </a:endParaRPr>
+          </a:p>
+        </p:txBody>
+      </p:sp>
+    </p:spTree>
+    <p:extLst>
+      <p:ext uri="{BB962C8B-B14F-4D97-AF65-F5344CB8AC3E}">
+        <p14:creationId xmlns:p14="http://schemas.microsoft.com/office/powerpoint/2010/main" val="68260326"/>
       </p:ext>
     </p:extLst>
   </p:cSld>
